--- a/utn_prog_y_lab_II-master/PPTs/ProgramacionII_Clase_22-2018.pptx
+++ b/utn_prog_y_lab_II-master/PPTs/ProgramacionII_Clase_22-2018.pptx
@@ -9,8 +9,12 @@
     <p:sldId id="257" r:id="rId3"/>
     <p:sldId id="258" r:id="rId4"/>
     <p:sldId id="259" r:id="rId5"/>
-    <p:sldId id="260" r:id="rId6"/>
-    <p:sldId id="261" r:id="rId7"/>
+    <p:sldId id="262" r:id="rId6"/>
+    <p:sldId id="260" r:id="rId7"/>
+    <p:sldId id="263" r:id="rId8"/>
+    <p:sldId id="261" r:id="rId9"/>
+    <p:sldId id="265" r:id="rId10"/>
+    <p:sldId id="264" r:id="rId11"/>
   </p:sldIdLst>
   <p:sldSz cx="12192000" cy="6858000"/>
   <p:notesSz cx="6858000" cy="9144000"/>
@@ -109,6 +113,11 @@
       </a:defRPr>
     </a:lvl9pPr>
   </p:defaultTextStyle>
+  <p:extLst>
+    <p:ext uri="{EFAFB233-063F-42B5-8137-9DF3F51BA10A}">
+      <p15:sldGuideLst xmlns:p15="http://schemas.microsoft.com/office/powerpoint/2012/main"/>
+    </p:ext>
+  </p:extLst>
 </p:presentation>
 </file>
 
@@ -386,7 +395,7 @@
           <a:p>
             <a:fld id="{78ABE3C1-DBE1-495D-B57B-2849774B866A}" type="datetimeFigureOut">
               <a:rPr lang="en-US" dirty="0"/>
-              <a:t>10/24/2018</a:t>
+              <a:t>6/6/2019</a:t>
             </a:fld>
             <a:endParaRPr lang="en-US" dirty="0"/>
           </a:p>
@@ -795,7 +804,7 @@
           <a:p>
             <a:fld id="{446C117F-5CCF-4837-BE5F-2B92066CAFAF}" type="datetimeFigureOut">
               <a:rPr lang="en-US" dirty="0"/>
-              <a:t>10/24/2018</a:t>
+              <a:t>6/6/2019</a:t>
             </a:fld>
             <a:endParaRPr lang="en-US" dirty="0"/>
           </a:p>
@@ -1126,7 +1135,7 @@
           <a:p>
             <a:fld id="{84EB90BD-B6CE-46B7-997F-7313B992CCDC}" type="datetimeFigureOut">
               <a:rPr lang="en-US" dirty="0"/>
-              <a:t>10/24/2018</a:t>
+              <a:t>6/6/2019</a:t>
             </a:fld>
             <a:endParaRPr lang="en-US" dirty="0"/>
           </a:p>
@@ -1526,7 +1535,7 @@
           <a:p>
             <a:fld id="{CDB9D11F-B188-461D-B23F-39381795C052}" type="datetimeFigureOut">
               <a:rPr lang="en-US" dirty="0"/>
-              <a:t>10/24/2018</a:t>
+              <a:t>6/6/2019</a:t>
             </a:fld>
             <a:endParaRPr lang="en-US" dirty="0"/>
           </a:p>
@@ -2089,7 +2098,7 @@
           <a:p>
             <a:fld id="{52E6D8D9-55A2-4063-B0F3-121F44549695}" type="datetimeFigureOut">
               <a:rPr lang="en-US" dirty="0"/>
-              <a:t>10/24/2018</a:t>
+              <a:t>6/6/2019</a:t>
             </a:fld>
             <a:endParaRPr lang="en-US" dirty="0"/>
           </a:p>
@@ -2765,7 +2774,7 @@
           <a:p>
             <a:fld id="{D4B24536-994D-4021-A283-9F449C0DB509}" type="datetimeFigureOut">
               <a:rPr lang="en-US" dirty="0"/>
-              <a:t>10/24/2018</a:t>
+              <a:t>6/6/2019</a:t>
             </a:fld>
             <a:endParaRPr lang="en-US" dirty="0"/>
           </a:p>
@@ -3673,7 +3682,7 @@
           <a:p>
             <a:fld id="{3CBBBB78-C96F-47B7-AB17-D852CA960AC9}" type="datetimeFigureOut">
               <a:rPr lang="en-US" dirty="0"/>
-              <a:t>10/24/2018</a:t>
+              <a:t>6/6/2019</a:t>
             </a:fld>
             <a:endParaRPr lang="en-US" dirty="0"/>
           </a:p>
@@ -3981,7 +3990,7 @@
           <a:p>
             <a:fld id="{1FA3F48C-C7C6-4055-9F49-3777875E72AE}" type="datetimeFigureOut">
               <a:rPr lang="en-US" dirty="0"/>
-              <a:t>10/24/2018</a:t>
+              <a:t>6/6/2019</a:t>
             </a:fld>
             <a:endParaRPr lang="en-US" dirty="0"/>
           </a:p>
@@ -4240,7 +4249,7 @@
           <a:p>
             <a:fld id="{6178E61D-D431-422C-9764-11DAFE33AB63}" type="datetimeFigureOut">
               <a:rPr lang="en-US" dirty="0"/>
-              <a:t>10/24/2018</a:t>
+              <a:t>6/6/2019</a:t>
             </a:fld>
             <a:endParaRPr lang="en-US" dirty="0"/>
           </a:p>
@@ -4559,7 +4568,7 @@
           <a:p>
             <a:fld id="{12DE42F4-6EEF-4EF7-8ED4-2208F0F89A08}" type="datetimeFigureOut">
               <a:rPr lang="en-US" dirty="0"/>
-              <a:t>10/24/2018</a:t>
+              <a:t>6/6/2019</a:t>
             </a:fld>
             <a:endParaRPr lang="en-US" dirty="0"/>
           </a:p>
@@ -4943,7 +4952,7 @@
           <a:p>
             <a:fld id="{30578ACC-22D6-47C1-A373-4FD133E34F3C}" type="datetimeFigureOut">
               <a:rPr lang="en-US" dirty="0"/>
-              <a:t>10/24/2018</a:t>
+              <a:t>6/6/2019</a:t>
             </a:fld>
             <a:endParaRPr lang="en-US" dirty="0"/>
           </a:p>
@@ -5314,7 +5323,7 @@
           <a:p>
             <a:fld id="{4E5A6C69-6797-4E8A-BF37-F2C3751466E9}" type="datetimeFigureOut">
               <a:rPr lang="en-US" dirty="0"/>
-              <a:t>10/24/2018</a:t>
+              <a:t>6/6/2019</a:t>
             </a:fld>
             <a:endParaRPr lang="en-US" dirty="0"/>
           </a:p>
@@ -5815,7 +5824,7 @@
           <a:p>
             <a:fld id="{D82014A1-A632-4878-A0D3-F52BA7563730}" type="datetimeFigureOut">
               <a:rPr lang="en-US" dirty="0"/>
-              <a:t>10/24/2018</a:t>
+              <a:t>6/6/2019</a:t>
             </a:fld>
             <a:endParaRPr lang="en-US" dirty="0"/>
           </a:p>
@@ -6067,7 +6076,7 @@
           <a:p>
             <a:fld id="{CE99F462-093F-4566-844B-4C71F2739DA5}" type="datetimeFigureOut">
               <a:rPr lang="en-US" dirty="0"/>
-              <a:t>10/24/2018</a:t>
+              <a:t>6/6/2019</a:t>
             </a:fld>
             <a:endParaRPr lang="en-US" dirty="0"/>
           </a:p>
@@ -6225,7 +6234,7 @@
           <a:p>
             <a:fld id="{3D24A7AC-904D-4781-85BA-7D10C17ED021}" type="datetimeFigureOut">
               <a:rPr lang="en-US" dirty="0"/>
-              <a:t>10/24/2018</a:t>
+              <a:t>6/6/2019</a:t>
             </a:fld>
             <a:endParaRPr lang="en-US" dirty="0"/>
           </a:p>
@@ -6610,7 +6619,7 @@
           <a:p>
             <a:fld id="{E331444B-B92B-4E27-8C94-BB93EAF5CB18}" type="datetimeFigureOut">
               <a:rPr lang="en-US" dirty="0"/>
-              <a:t>10/24/2018</a:t>
+              <a:t>6/6/2019</a:t>
             </a:fld>
             <a:endParaRPr lang="en-US" dirty="0"/>
           </a:p>
@@ -7014,7 +7023,7 @@
           <a:p>
             <a:fld id="{363EFA5E-FA76-400D-B3DC-F0BA90E6D107}" type="datetimeFigureOut">
               <a:rPr lang="en-US" dirty="0"/>
-              <a:t>10/24/2018</a:t>
+              <a:t>6/6/2019</a:t>
             </a:fld>
             <a:endParaRPr lang="en-US" dirty="0"/>
           </a:p>
@@ -7253,7 +7262,7 @@
           <a:p>
             <a:fld id="{9D6E9DEC-419B-4CC5-A080-3B06BD5A8291}" type="datetimeFigureOut">
               <a:rPr lang="en-US" dirty="0"/>
-              <a:t>10/24/2018</a:t>
+              <a:t>6/6/2019</a:t>
             </a:fld>
             <a:endParaRPr lang="en-US" dirty="0"/>
           </a:p>
@@ -7852,6 +7861,889 @@
       </p:par>
     </p:tnLst>
   </p:timing>
+</p:sld>
+</file>
+
+<file path=ppt/slides/slide10.xml><?xml version="1.0" encoding="utf-8"?>
+<p:sld xmlns:a="http://schemas.openxmlformats.org/drawingml/2006/main" xmlns:r="http://schemas.openxmlformats.org/officeDocument/2006/relationships" xmlns:p="http://schemas.openxmlformats.org/presentationml/2006/main">
+  <p:cSld>
+    <p:spTree>
+      <p:nvGrpSpPr>
+        <p:cNvPr id="1" name=""/>
+        <p:cNvGrpSpPr/>
+        <p:nvPr/>
+      </p:nvGrpSpPr>
+      <p:grpSpPr>
+        <a:xfrm>
+          <a:off x="0" y="0"/>
+          <a:ext cx="0" cy="0"/>
+          <a:chOff x="0" y="0"/>
+          <a:chExt cx="0" cy="0"/>
+        </a:xfrm>
+      </p:grpSpPr>
+      <p:sp>
+        <p:nvSpPr>
+          <p:cNvPr id="2" name="Título 1"/>
+          <p:cNvSpPr>
+            <a:spLocks noGrp="1"/>
+          </p:cNvSpPr>
+          <p:nvPr>
+            <p:ph type="title"/>
+          </p:nvPr>
+        </p:nvSpPr>
+        <p:spPr/>
+        <p:txBody>
+          <a:bodyPr/>
+          <a:lstStyle/>
+          <a:p>
+            <a:r>
+              <a:rPr lang="es-AR" dirty="0" smtClean="0"/>
+              <a:t>Ejemplo con controles de </a:t>
+            </a:r>
+            <a:r>
+              <a:rPr lang="es-AR" dirty="0" err="1" smtClean="0"/>
+              <a:t>Form</a:t>
+            </a:r>
+            <a:endParaRPr lang="es-AR" dirty="0"/>
+          </a:p>
+        </p:txBody>
+      </p:sp>
+      <p:sp>
+        <p:nvSpPr>
+          <p:cNvPr id="4" name="Rectangle 3"/>
+          <p:cNvSpPr txBox="1">
+            <a:spLocks noChangeArrowheads="1"/>
+          </p:cNvSpPr>
+          <p:nvPr/>
+        </p:nvSpPr>
+        <p:spPr>
+          <a:xfrm>
+            <a:off x="680321" y="2189408"/>
+            <a:ext cx="8393113" cy="4266321"/>
+          </a:xfrm>
+          <a:prstGeom prst="rect">
+            <a:avLst/>
+          </a:prstGeom>
+          <a:solidFill>
+            <a:schemeClr val="tx1"/>
+          </a:solidFill>
+          <a:ln>
+            <a:solidFill>
+              <a:schemeClr val="bg1">
+                <a:lumMod val="40000"/>
+                <a:lumOff val="60000"/>
+              </a:schemeClr>
+            </a:solidFill>
+          </a:ln>
+        </p:spPr>
+        <p:txBody>
+          <a:bodyPr vert="horz" lIns="91440" tIns="45720" rIns="91440" bIns="45720" rtlCol="0">
+            <a:normAutofit/>
+          </a:bodyPr>
+          <a:lstStyle>
+            <a:lvl1pPr marL="228600" indent="-228600" algn="l" defTabSz="914400" rtl="0" eaLnBrk="1" latinLnBrk="0" hangingPunct="1">
+              <a:lnSpc>
+                <a:spcPct val="90000"/>
+              </a:lnSpc>
+              <a:spcBef>
+                <a:spcPts val="1000"/>
+              </a:spcBef>
+              <a:buFont typeface="Arial" panose="020B0604020202020204" pitchFamily="34" charset="0"/>
+              <a:buChar char="•"/>
+              <a:defRPr sz="2400" kern="1200">
+                <a:solidFill>
+                  <a:schemeClr val="tx1"/>
+                </a:solidFill>
+                <a:latin typeface="+mn-lt"/>
+                <a:ea typeface="+mn-ea"/>
+                <a:cs typeface="+mn-cs"/>
+              </a:defRPr>
+            </a:lvl1pPr>
+            <a:lvl2pPr marL="685800" indent="-228600" algn="l" defTabSz="914400" rtl="0" eaLnBrk="1" latinLnBrk="0" hangingPunct="1">
+              <a:lnSpc>
+                <a:spcPct val="90000"/>
+              </a:lnSpc>
+              <a:spcBef>
+                <a:spcPts val="500"/>
+              </a:spcBef>
+              <a:buFont typeface="Arial" panose="020B0604020202020204" pitchFamily="34" charset="0"/>
+              <a:buChar char="•"/>
+              <a:defRPr sz="2000" kern="1200">
+                <a:solidFill>
+                  <a:schemeClr val="tx1"/>
+                </a:solidFill>
+                <a:latin typeface="+mn-lt"/>
+                <a:ea typeface="+mn-ea"/>
+                <a:cs typeface="+mn-cs"/>
+              </a:defRPr>
+            </a:lvl2pPr>
+            <a:lvl3pPr marL="1143000" indent="-228600" algn="l" defTabSz="914400" rtl="0" eaLnBrk="1" latinLnBrk="0" hangingPunct="1">
+              <a:lnSpc>
+                <a:spcPct val="90000"/>
+              </a:lnSpc>
+              <a:spcBef>
+                <a:spcPts val="500"/>
+              </a:spcBef>
+              <a:buFont typeface="Arial" panose="020B0604020202020204" pitchFamily="34" charset="0"/>
+              <a:buChar char="•"/>
+              <a:defRPr sz="1800" kern="1200">
+                <a:solidFill>
+                  <a:schemeClr val="tx1"/>
+                </a:solidFill>
+                <a:latin typeface="+mn-lt"/>
+                <a:ea typeface="+mn-ea"/>
+                <a:cs typeface="+mn-cs"/>
+              </a:defRPr>
+            </a:lvl3pPr>
+            <a:lvl4pPr marL="1600200" indent="-228600" algn="l" defTabSz="914400" rtl="0" eaLnBrk="1" latinLnBrk="0" hangingPunct="1">
+              <a:lnSpc>
+                <a:spcPct val="90000"/>
+              </a:lnSpc>
+              <a:spcBef>
+                <a:spcPts val="500"/>
+              </a:spcBef>
+              <a:buFont typeface="Arial" panose="020B0604020202020204" pitchFamily="34" charset="0"/>
+              <a:buChar char="•"/>
+              <a:defRPr sz="1600" kern="1200">
+                <a:solidFill>
+                  <a:schemeClr val="tx1"/>
+                </a:solidFill>
+                <a:latin typeface="+mn-lt"/>
+                <a:ea typeface="+mn-ea"/>
+                <a:cs typeface="+mn-cs"/>
+              </a:defRPr>
+            </a:lvl4pPr>
+            <a:lvl5pPr marL="2057400" indent="-228600" algn="l" defTabSz="914400" rtl="0" eaLnBrk="1" latinLnBrk="0" hangingPunct="1">
+              <a:lnSpc>
+                <a:spcPct val="90000"/>
+              </a:lnSpc>
+              <a:spcBef>
+                <a:spcPts val="500"/>
+              </a:spcBef>
+              <a:buFont typeface="Arial" panose="020B0604020202020204" pitchFamily="34" charset="0"/>
+              <a:buChar char="•"/>
+              <a:defRPr sz="1600" kern="1200">
+                <a:solidFill>
+                  <a:schemeClr val="tx1"/>
+                </a:solidFill>
+                <a:latin typeface="+mn-lt"/>
+                <a:ea typeface="+mn-ea"/>
+                <a:cs typeface="+mn-cs"/>
+              </a:defRPr>
+            </a:lvl5pPr>
+            <a:lvl6pPr marL="2514600" indent="-228600" algn="l" defTabSz="914400" rtl="0" eaLnBrk="1" latinLnBrk="0" hangingPunct="1">
+              <a:lnSpc>
+                <a:spcPct val="90000"/>
+              </a:lnSpc>
+              <a:spcBef>
+                <a:spcPts val="500"/>
+              </a:spcBef>
+              <a:buFont typeface="Arial" panose="020B0604020202020204" pitchFamily="34" charset="0"/>
+              <a:buChar char="•"/>
+              <a:defRPr sz="1400" kern="1200">
+                <a:solidFill>
+                  <a:schemeClr val="tx1"/>
+                </a:solidFill>
+                <a:latin typeface="+mn-lt"/>
+                <a:ea typeface="+mn-ea"/>
+                <a:cs typeface="+mn-cs"/>
+              </a:defRPr>
+            </a:lvl6pPr>
+            <a:lvl7pPr marL="2971800" indent="-228600" algn="l" defTabSz="914400" rtl="0" eaLnBrk="1" latinLnBrk="0" hangingPunct="1">
+              <a:lnSpc>
+                <a:spcPct val="90000"/>
+              </a:lnSpc>
+              <a:spcBef>
+                <a:spcPts val="500"/>
+              </a:spcBef>
+              <a:buFont typeface="Arial" panose="020B0604020202020204" pitchFamily="34" charset="0"/>
+              <a:buChar char="•"/>
+              <a:defRPr sz="1400" kern="1200">
+                <a:solidFill>
+                  <a:schemeClr val="tx1"/>
+                </a:solidFill>
+                <a:latin typeface="+mn-lt"/>
+                <a:ea typeface="+mn-ea"/>
+                <a:cs typeface="+mn-cs"/>
+              </a:defRPr>
+            </a:lvl7pPr>
+            <a:lvl8pPr marL="3429000" indent="-228600" algn="l" defTabSz="914400" rtl="0" eaLnBrk="1" latinLnBrk="0" hangingPunct="1">
+              <a:lnSpc>
+                <a:spcPct val="90000"/>
+              </a:lnSpc>
+              <a:spcBef>
+                <a:spcPts val="500"/>
+              </a:spcBef>
+              <a:buFont typeface="Arial" panose="020B0604020202020204" pitchFamily="34" charset="0"/>
+              <a:buChar char="•"/>
+              <a:defRPr sz="1400" kern="1200">
+                <a:solidFill>
+                  <a:schemeClr val="tx1"/>
+                </a:solidFill>
+                <a:latin typeface="+mn-lt"/>
+                <a:ea typeface="+mn-ea"/>
+                <a:cs typeface="+mn-cs"/>
+              </a:defRPr>
+            </a:lvl8pPr>
+            <a:lvl9pPr marL="3886200" indent="-228600" algn="l" defTabSz="914400" rtl="0" eaLnBrk="1" latinLnBrk="0" hangingPunct="1">
+              <a:lnSpc>
+                <a:spcPct val="90000"/>
+              </a:lnSpc>
+              <a:spcBef>
+                <a:spcPts val="500"/>
+              </a:spcBef>
+              <a:buFont typeface="Arial" panose="020B0604020202020204" pitchFamily="34" charset="0"/>
+              <a:buChar char="•"/>
+              <a:defRPr sz="1400" kern="1200">
+                <a:solidFill>
+                  <a:schemeClr val="tx1"/>
+                </a:solidFill>
+                <a:latin typeface="+mn-lt"/>
+                <a:ea typeface="+mn-ea"/>
+                <a:cs typeface="+mn-cs"/>
+              </a:defRPr>
+            </a:lvl9pPr>
+          </a:lstStyle>
+          <a:p>
+            <a:pPr marL="0" indent="0">
+              <a:buNone/>
+            </a:pPr>
+            <a:r>
+              <a:rPr lang="es-AR" sz="2000" dirty="0" err="1" smtClean="0">
+                <a:solidFill>
+                  <a:srgbClr val="0000FF"/>
+                </a:solidFill>
+                <a:latin typeface="Consolas" panose="020B0609020204030204" pitchFamily="49" charset="0"/>
+              </a:rPr>
+              <a:t>delegate</a:t>
+            </a:r>
+            <a:r>
+              <a:rPr lang="es-AR" sz="2000" dirty="0" smtClean="0">
+                <a:solidFill>
+                  <a:srgbClr val="000000"/>
+                </a:solidFill>
+                <a:latin typeface="Consolas" panose="020B0609020204030204" pitchFamily="49" charset="0"/>
+              </a:rPr>
+              <a:t> </a:t>
+            </a:r>
+            <a:r>
+              <a:rPr lang="es-AR" sz="2000" dirty="0" err="1" smtClean="0">
+                <a:solidFill>
+                  <a:srgbClr val="0000FF"/>
+                </a:solidFill>
+                <a:latin typeface="Consolas" panose="020B0609020204030204" pitchFamily="49" charset="0"/>
+              </a:rPr>
+              <a:t>void</a:t>
+            </a:r>
+            <a:r>
+              <a:rPr lang="es-AR" sz="2000" dirty="0" smtClean="0">
+                <a:solidFill>
+                  <a:srgbClr val="000000"/>
+                </a:solidFill>
+                <a:latin typeface="Consolas" panose="020B0609020204030204" pitchFamily="49" charset="0"/>
+              </a:rPr>
+              <a:t> </a:t>
+            </a:r>
+            <a:r>
+              <a:rPr lang="es-AR" sz="2000" dirty="0" err="1" smtClean="0">
+                <a:solidFill>
+                  <a:srgbClr val="2B91AF"/>
+                </a:solidFill>
+                <a:latin typeface="Consolas" panose="020B0609020204030204" pitchFamily="49" charset="0"/>
+              </a:rPr>
+              <a:t>Callback</a:t>
+            </a:r>
+            <a:r>
+              <a:rPr lang="es-AR" sz="2000" dirty="0" smtClean="0">
+                <a:solidFill>
+                  <a:srgbClr val="000000"/>
+                </a:solidFill>
+                <a:latin typeface="Consolas" panose="020B0609020204030204" pitchFamily="49" charset="0"/>
+              </a:rPr>
+              <a:t>();</a:t>
+            </a:r>
+          </a:p>
+          <a:p>
+            <a:pPr marL="0" indent="0">
+              <a:buNone/>
+            </a:pPr>
+            <a:r>
+              <a:rPr lang="es-AR" sz="2000" dirty="0" err="1" smtClean="0">
+                <a:solidFill>
+                  <a:srgbClr val="0000FF"/>
+                </a:solidFill>
+                <a:latin typeface="Consolas" panose="020B0609020204030204" pitchFamily="49" charset="0"/>
+              </a:rPr>
+              <a:t>public</a:t>
+            </a:r>
+            <a:r>
+              <a:rPr lang="es-AR" sz="2000" dirty="0" smtClean="0">
+                <a:solidFill>
+                  <a:srgbClr val="000000"/>
+                </a:solidFill>
+                <a:latin typeface="Consolas" panose="020B0609020204030204" pitchFamily="49" charset="0"/>
+              </a:rPr>
+              <a:t> </a:t>
+            </a:r>
+            <a:r>
+              <a:rPr lang="es-AR" sz="2000" dirty="0" err="1">
+                <a:solidFill>
+                  <a:srgbClr val="0000FF"/>
+                </a:solidFill>
+                <a:latin typeface="Consolas" panose="020B0609020204030204" pitchFamily="49" charset="0"/>
+              </a:rPr>
+              <a:t>void</a:t>
+            </a:r>
+            <a:r>
+              <a:rPr lang="es-AR" sz="2000" dirty="0">
+                <a:solidFill>
+                  <a:srgbClr val="000000"/>
+                </a:solidFill>
+                <a:latin typeface="Consolas" panose="020B0609020204030204" pitchFamily="49" charset="0"/>
+              </a:rPr>
+              <a:t> </a:t>
+            </a:r>
+            <a:r>
+              <a:rPr lang="es-AR" sz="2000" dirty="0" smtClean="0">
+                <a:solidFill>
+                  <a:srgbClr val="000000"/>
+                </a:solidFill>
+                <a:latin typeface="Consolas" panose="020B0609020204030204" pitchFamily="49" charset="0"/>
+              </a:rPr>
+              <a:t>OtroMetodo(</a:t>
+            </a:r>
+            <a:r>
+              <a:rPr lang="es-AR" sz="2000" dirty="0" err="1" smtClean="0">
+                <a:solidFill>
+                  <a:srgbClr val="0000FF"/>
+                </a:solidFill>
+                <a:latin typeface="Consolas" panose="020B0609020204030204" pitchFamily="49" charset="0"/>
+              </a:rPr>
+              <a:t>string</a:t>
+            </a:r>
+            <a:r>
+              <a:rPr lang="es-AR" sz="2000" dirty="0" smtClean="0">
+                <a:solidFill>
+                  <a:srgbClr val="0000FF"/>
+                </a:solidFill>
+                <a:latin typeface="Consolas" panose="020B0609020204030204" pitchFamily="49" charset="0"/>
+              </a:rPr>
+              <a:t> </a:t>
+            </a:r>
+            <a:r>
+              <a:rPr lang="es-AR" sz="2000" dirty="0" smtClean="0">
+                <a:solidFill>
+                  <a:srgbClr val="000000"/>
+                </a:solidFill>
+                <a:latin typeface="Consolas" panose="020B0609020204030204" pitchFamily="49" charset="0"/>
+              </a:rPr>
+              <a:t>texto) {</a:t>
+            </a:r>
+          </a:p>
+          <a:p>
+            <a:pPr marL="0" indent="0">
+              <a:buNone/>
+            </a:pPr>
+            <a:r>
+              <a:rPr lang="es-AR" sz="2000" dirty="0" smtClean="0">
+                <a:solidFill>
+                  <a:srgbClr val="0000FF"/>
+                </a:solidFill>
+                <a:latin typeface="Consolas" panose="020B0609020204030204" pitchFamily="49" charset="0"/>
+              </a:rPr>
+              <a:t>    </a:t>
+            </a:r>
+            <a:r>
+              <a:rPr lang="es-AR" sz="2000" dirty="0" err="1" smtClean="0">
+                <a:solidFill>
+                  <a:srgbClr val="0000FF"/>
+                </a:solidFill>
+                <a:latin typeface="Consolas" panose="020B0609020204030204" pitchFamily="49" charset="0"/>
+              </a:rPr>
+              <a:t>if</a:t>
+            </a:r>
+            <a:r>
+              <a:rPr lang="es-AR" sz="2000" dirty="0" smtClean="0">
+                <a:solidFill>
+                  <a:srgbClr val="000000"/>
+                </a:solidFill>
+                <a:latin typeface="Consolas" panose="020B0609020204030204" pitchFamily="49" charset="0"/>
+              </a:rPr>
+              <a:t> </a:t>
+            </a:r>
+            <a:r>
+              <a:rPr lang="es-AR" sz="2000" dirty="0">
+                <a:solidFill>
+                  <a:srgbClr val="000000"/>
+                </a:solidFill>
+                <a:latin typeface="Consolas" panose="020B0609020204030204" pitchFamily="49" charset="0"/>
+              </a:rPr>
+              <a:t>(</a:t>
+            </a:r>
+            <a:r>
+              <a:rPr lang="es-AR" sz="2000" dirty="0" err="1" smtClean="0">
+                <a:solidFill>
+                  <a:srgbClr val="0000FF"/>
+                </a:solidFill>
+                <a:latin typeface="Consolas" panose="020B0609020204030204" pitchFamily="49" charset="0"/>
+              </a:rPr>
+              <a:t>this</a:t>
+            </a:r>
+            <a:r>
+              <a:rPr lang="es-AR" sz="2000" dirty="0" err="1" smtClean="0">
+                <a:solidFill>
+                  <a:srgbClr val="000000"/>
+                </a:solidFill>
+                <a:latin typeface="Consolas" panose="020B0609020204030204" pitchFamily="49" charset="0"/>
+              </a:rPr>
+              <a:t>.textBox.InvokeRequired</a:t>
+            </a:r>
+            <a:r>
+              <a:rPr lang="es-AR" sz="2000" dirty="0" smtClean="0">
+                <a:solidFill>
+                  <a:srgbClr val="000000"/>
+                </a:solidFill>
+                <a:latin typeface="Consolas" panose="020B0609020204030204" pitchFamily="49" charset="0"/>
+              </a:rPr>
+              <a:t>) {</a:t>
+            </a:r>
+          </a:p>
+          <a:p>
+            <a:pPr marL="0" indent="0">
+              <a:buNone/>
+            </a:pPr>
+            <a:r>
+              <a:rPr lang="es-AR" sz="2000" dirty="0">
+                <a:solidFill>
+                  <a:srgbClr val="000000"/>
+                </a:solidFill>
+                <a:latin typeface="Consolas" panose="020B0609020204030204" pitchFamily="49" charset="0"/>
+              </a:rPr>
+              <a:t> </a:t>
+            </a:r>
+            <a:r>
+              <a:rPr lang="es-AR" sz="2000" dirty="0" smtClean="0">
+                <a:solidFill>
+                  <a:srgbClr val="000000"/>
+                </a:solidFill>
+                <a:latin typeface="Consolas" panose="020B0609020204030204" pitchFamily="49" charset="0"/>
+              </a:rPr>
+              <a:t>       </a:t>
+            </a:r>
+            <a:r>
+              <a:rPr lang="es-AR" sz="2000" dirty="0" err="1" smtClean="0">
+                <a:solidFill>
+                  <a:srgbClr val="000000"/>
+                </a:solidFill>
+                <a:latin typeface="Consolas" panose="020B0609020204030204" pitchFamily="49" charset="0"/>
+              </a:rPr>
+              <a:t>Callback</a:t>
+            </a:r>
+            <a:r>
+              <a:rPr lang="es-AR" sz="2000" dirty="0" smtClean="0">
+                <a:solidFill>
+                  <a:srgbClr val="000000"/>
+                </a:solidFill>
+                <a:latin typeface="Consolas" panose="020B0609020204030204" pitchFamily="49" charset="0"/>
+              </a:rPr>
+              <a:t> d = </a:t>
+            </a:r>
+            <a:r>
+              <a:rPr lang="es-AR" sz="2000" dirty="0" smtClean="0">
+                <a:solidFill>
+                  <a:srgbClr val="0000FF"/>
+                </a:solidFill>
+                <a:latin typeface="Consolas" panose="020B0609020204030204" pitchFamily="49" charset="0"/>
+              </a:rPr>
+              <a:t>new</a:t>
+            </a:r>
+            <a:r>
+              <a:rPr lang="es-AR" sz="2000" dirty="0" smtClean="0">
+                <a:solidFill>
+                  <a:srgbClr val="000000"/>
+                </a:solidFill>
+                <a:latin typeface="Consolas" panose="020B0609020204030204" pitchFamily="49" charset="0"/>
+              </a:rPr>
+              <a:t> </a:t>
+            </a:r>
+            <a:r>
+              <a:rPr lang="es-AR" sz="2000" dirty="0" err="1" smtClean="0">
+                <a:solidFill>
+                  <a:srgbClr val="000000"/>
+                </a:solidFill>
+                <a:latin typeface="Consolas" panose="020B0609020204030204" pitchFamily="49" charset="0"/>
+              </a:rPr>
+              <a:t>Callback</a:t>
+            </a:r>
+            <a:r>
+              <a:rPr lang="es-AR" sz="2000" dirty="0" smtClean="0">
+                <a:solidFill>
+                  <a:srgbClr val="000000"/>
+                </a:solidFill>
+                <a:latin typeface="Consolas" panose="020B0609020204030204" pitchFamily="49" charset="0"/>
+              </a:rPr>
+              <a:t>(</a:t>
+            </a:r>
+            <a:r>
+              <a:rPr lang="es-AR" sz="2000" dirty="0" err="1" smtClean="0">
+                <a:solidFill>
+                  <a:srgbClr val="0000FF"/>
+                </a:solidFill>
+                <a:latin typeface="Consolas" panose="020B0609020204030204" pitchFamily="49" charset="0"/>
+              </a:rPr>
+              <a:t>this</a:t>
+            </a:r>
+            <a:r>
+              <a:rPr lang="es-AR" sz="2000" dirty="0" err="1" smtClean="0">
+                <a:solidFill>
+                  <a:srgbClr val="000000"/>
+                </a:solidFill>
+                <a:latin typeface="Consolas" panose="020B0609020204030204" pitchFamily="49" charset="0"/>
+              </a:rPr>
+              <a:t>.OtroMetodo</a:t>
+            </a:r>
+            <a:r>
+              <a:rPr lang="es-AR" sz="2000" dirty="0" smtClean="0">
+                <a:solidFill>
+                  <a:srgbClr val="000000"/>
+                </a:solidFill>
+                <a:latin typeface="Consolas" panose="020B0609020204030204" pitchFamily="49" charset="0"/>
+              </a:rPr>
+              <a:t>);</a:t>
+            </a:r>
+          </a:p>
+          <a:p>
+            <a:pPr marL="0" indent="0">
+              <a:buNone/>
+            </a:pPr>
+            <a:r>
+              <a:rPr lang="es-AR" sz="2000" dirty="0">
+                <a:solidFill>
+                  <a:srgbClr val="000000"/>
+                </a:solidFill>
+                <a:latin typeface="Consolas" panose="020B0609020204030204" pitchFamily="49" charset="0"/>
+              </a:rPr>
+              <a:t> </a:t>
+            </a:r>
+            <a:r>
+              <a:rPr lang="es-AR" sz="2000" dirty="0" smtClean="0">
+                <a:solidFill>
+                  <a:srgbClr val="000000"/>
+                </a:solidFill>
+                <a:latin typeface="Consolas" panose="020B0609020204030204" pitchFamily="49" charset="0"/>
+              </a:rPr>
+              <a:t>       </a:t>
+            </a:r>
+            <a:r>
+              <a:rPr lang="es-AR" sz="2000" dirty="0" err="1">
+                <a:solidFill>
+                  <a:srgbClr val="0000FF"/>
+                </a:solidFill>
+                <a:latin typeface="Consolas" panose="020B0609020204030204" pitchFamily="49" charset="0"/>
+              </a:rPr>
+              <a:t>object</a:t>
+            </a:r>
+            <a:r>
+              <a:rPr lang="es-AR" sz="2000" dirty="0">
+                <a:solidFill>
+                  <a:srgbClr val="000000"/>
+                </a:solidFill>
+                <a:latin typeface="Consolas" panose="020B0609020204030204" pitchFamily="49" charset="0"/>
+              </a:rPr>
+              <a:t>[] </a:t>
+            </a:r>
+            <a:r>
+              <a:rPr lang="es-AR" sz="2000" dirty="0" err="1">
+                <a:solidFill>
+                  <a:srgbClr val="000000"/>
+                </a:solidFill>
+                <a:latin typeface="Consolas" panose="020B0609020204030204" pitchFamily="49" charset="0"/>
+              </a:rPr>
+              <a:t>objs</a:t>
+            </a:r>
+            <a:r>
+              <a:rPr lang="es-AR" sz="2000" dirty="0">
+                <a:solidFill>
+                  <a:srgbClr val="000000"/>
+                </a:solidFill>
+                <a:latin typeface="Consolas" panose="020B0609020204030204" pitchFamily="49" charset="0"/>
+              </a:rPr>
+              <a:t> = </a:t>
+            </a:r>
+            <a:r>
+              <a:rPr lang="es-AR" sz="2000" dirty="0">
+                <a:solidFill>
+                  <a:srgbClr val="0000FF"/>
+                </a:solidFill>
+                <a:latin typeface="Consolas" panose="020B0609020204030204" pitchFamily="49" charset="0"/>
+              </a:rPr>
+              <a:t>new</a:t>
+            </a:r>
+            <a:r>
+              <a:rPr lang="es-AR" sz="2000" dirty="0">
+                <a:solidFill>
+                  <a:srgbClr val="000000"/>
+                </a:solidFill>
+                <a:latin typeface="Consolas" panose="020B0609020204030204" pitchFamily="49" charset="0"/>
+              </a:rPr>
+              <a:t> </a:t>
+            </a:r>
+            <a:r>
+              <a:rPr lang="es-AR" sz="2000" dirty="0" err="1">
+                <a:solidFill>
+                  <a:srgbClr val="0000FF"/>
+                </a:solidFill>
+                <a:latin typeface="Consolas" panose="020B0609020204030204" pitchFamily="49" charset="0"/>
+              </a:rPr>
+              <a:t>object</a:t>
+            </a:r>
+            <a:r>
+              <a:rPr lang="es-AR" sz="2000" dirty="0">
+                <a:solidFill>
+                  <a:srgbClr val="000000"/>
+                </a:solidFill>
+                <a:latin typeface="Consolas" panose="020B0609020204030204" pitchFamily="49" charset="0"/>
+              </a:rPr>
+              <a:t>[] </a:t>
+            </a:r>
+            <a:r>
+              <a:rPr lang="es-AR" sz="2000" dirty="0" smtClean="0">
+                <a:solidFill>
+                  <a:srgbClr val="000000"/>
+                </a:solidFill>
+                <a:latin typeface="Consolas" panose="020B0609020204030204" pitchFamily="49" charset="0"/>
+              </a:rPr>
+              <a:t>{ texto </a:t>
+            </a:r>
+            <a:r>
+              <a:rPr lang="es-AR" sz="2000" dirty="0">
+                <a:solidFill>
+                  <a:srgbClr val="000000"/>
+                </a:solidFill>
+                <a:latin typeface="Consolas" panose="020B0609020204030204" pitchFamily="49" charset="0"/>
+              </a:rPr>
+              <a:t>};</a:t>
+            </a:r>
+            <a:endParaRPr lang="es-AR" sz="2000" dirty="0" smtClean="0">
+              <a:solidFill>
+                <a:srgbClr val="000000"/>
+              </a:solidFill>
+              <a:latin typeface="Consolas" panose="020B0609020204030204" pitchFamily="49" charset="0"/>
+            </a:endParaRPr>
+          </a:p>
+          <a:p>
+            <a:pPr marL="0" indent="0">
+              <a:buNone/>
+            </a:pPr>
+            <a:r>
+              <a:rPr lang="es-AR" sz="2000" dirty="0" smtClean="0">
+                <a:solidFill>
+                  <a:srgbClr val="000000"/>
+                </a:solidFill>
+                <a:latin typeface="Consolas" panose="020B0609020204030204" pitchFamily="49" charset="0"/>
+              </a:rPr>
+              <a:t>        </a:t>
+            </a:r>
+            <a:r>
+              <a:rPr lang="es-AR" sz="2000" dirty="0" err="1" smtClean="0">
+                <a:solidFill>
+                  <a:srgbClr val="0000FF"/>
+                </a:solidFill>
+                <a:latin typeface="Consolas" panose="020B0609020204030204" pitchFamily="49" charset="0"/>
+              </a:rPr>
+              <a:t>this</a:t>
+            </a:r>
+            <a:r>
+              <a:rPr lang="es-AR" sz="2000" dirty="0" err="1" smtClean="0">
+                <a:solidFill>
+                  <a:srgbClr val="000000"/>
+                </a:solidFill>
+                <a:latin typeface="Consolas" panose="020B0609020204030204" pitchFamily="49" charset="0"/>
+              </a:rPr>
+              <a:t>.Invoke</a:t>
+            </a:r>
+            <a:r>
+              <a:rPr lang="es-AR" sz="2000" dirty="0" smtClean="0">
+                <a:solidFill>
+                  <a:srgbClr val="000000"/>
+                </a:solidFill>
+                <a:latin typeface="Consolas" panose="020B0609020204030204" pitchFamily="49" charset="0"/>
+              </a:rPr>
+              <a:t>(d, </a:t>
+            </a:r>
+            <a:r>
+              <a:rPr lang="es-AR" sz="2000" dirty="0" err="1" smtClean="0">
+                <a:solidFill>
+                  <a:srgbClr val="000000"/>
+                </a:solidFill>
+                <a:latin typeface="Consolas" panose="020B0609020204030204" pitchFamily="49" charset="0"/>
+              </a:rPr>
+              <a:t>objs</a:t>
+            </a:r>
+            <a:r>
+              <a:rPr lang="es-AR" sz="2000" dirty="0" smtClean="0">
+                <a:solidFill>
+                  <a:srgbClr val="000000"/>
+                </a:solidFill>
+                <a:latin typeface="Consolas" panose="020B0609020204030204" pitchFamily="49" charset="0"/>
+              </a:rPr>
+              <a:t>);</a:t>
+            </a:r>
+            <a:endParaRPr lang="es-AR" sz="2000" dirty="0">
+              <a:solidFill>
+                <a:srgbClr val="000000"/>
+              </a:solidFill>
+              <a:latin typeface="Consolas" panose="020B0609020204030204" pitchFamily="49" charset="0"/>
+            </a:endParaRPr>
+          </a:p>
+          <a:p>
+            <a:pPr marL="0" indent="0">
+              <a:buNone/>
+            </a:pPr>
+            <a:r>
+              <a:rPr lang="es-AR" sz="2000" dirty="0">
+                <a:solidFill>
+                  <a:srgbClr val="000000"/>
+                </a:solidFill>
+                <a:latin typeface="Consolas" panose="020B0609020204030204" pitchFamily="49" charset="0"/>
+              </a:rPr>
+              <a:t>    </a:t>
+            </a:r>
+            <a:r>
+              <a:rPr lang="es-AR" sz="2000" dirty="0" smtClean="0">
+                <a:solidFill>
+                  <a:srgbClr val="000000"/>
+                </a:solidFill>
+                <a:latin typeface="Consolas" panose="020B0609020204030204" pitchFamily="49" charset="0"/>
+              </a:rPr>
+              <a:t>} </a:t>
+            </a:r>
+            <a:r>
+              <a:rPr lang="es-AR" sz="2000" dirty="0" err="1" smtClean="0">
+                <a:solidFill>
+                  <a:srgbClr val="0000FF"/>
+                </a:solidFill>
+                <a:latin typeface="Consolas" panose="020B0609020204030204" pitchFamily="49" charset="0"/>
+              </a:rPr>
+              <a:t>else</a:t>
+            </a:r>
+            <a:r>
+              <a:rPr lang="es-AR" sz="2000" dirty="0" smtClean="0">
+                <a:solidFill>
+                  <a:srgbClr val="000000"/>
+                </a:solidFill>
+                <a:latin typeface="Consolas" panose="020B0609020204030204" pitchFamily="49" charset="0"/>
+              </a:rPr>
+              <a:t> {</a:t>
+            </a:r>
+            <a:endParaRPr lang="es-AR" sz="2000" dirty="0">
+              <a:solidFill>
+                <a:srgbClr val="000000"/>
+              </a:solidFill>
+              <a:latin typeface="Consolas" panose="020B0609020204030204" pitchFamily="49" charset="0"/>
+            </a:endParaRPr>
+          </a:p>
+          <a:p>
+            <a:pPr marL="0" indent="0">
+              <a:buNone/>
+            </a:pPr>
+            <a:r>
+              <a:rPr lang="es-AR" sz="2000" dirty="0">
+                <a:solidFill>
+                  <a:srgbClr val="000000"/>
+                </a:solidFill>
+                <a:latin typeface="Consolas" panose="020B0609020204030204" pitchFamily="49" charset="0"/>
+              </a:rPr>
+              <a:t>        </a:t>
+            </a:r>
+            <a:r>
+              <a:rPr lang="es-AR" sz="2000" dirty="0" err="1" smtClean="0">
+                <a:solidFill>
+                  <a:srgbClr val="0000FF"/>
+                </a:solidFill>
+                <a:latin typeface="Consolas" panose="020B0609020204030204" pitchFamily="49" charset="0"/>
+              </a:rPr>
+              <a:t>this</a:t>
+            </a:r>
+            <a:r>
+              <a:rPr lang="es-AR" sz="2000" dirty="0" err="1" smtClean="0">
+                <a:solidFill>
+                  <a:srgbClr val="000000"/>
+                </a:solidFill>
+                <a:latin typeface="Consolas" panose="020B0609020204030204" pitchFamily="49" charset="0"/>
+              </a:rPr>
+              <a:t>.textBox.Text</a:t>
+            </a:r>
+            <a:r>
+              <a:rPr lang="es-AR" sz="2000" dirty="0" smtClean="0">
+                <a:solidFill>
+                  <a:srgbClr val="000000"/>
+                </a:solidFill>
+                <a:latin typeface="Consolas" panose="020B0609020204030204" pitchFamily="49" charset="0"/>
+              </a:rPr>
+              <a:t> = texto;</a:t>
+            </a:r>
+            <a:endParaRPr lang="es-AR" sz="2000" dirty="0">
+              <a:solidFill>
+                <a:srgbClr val="000000"/>
+              </a:solidFill>
+              <a:latin typeface="Consolas" panose="020B0609020204030204" pitchFamily="49" charset="0"/>
+            </a:endParaRPr>
+          </a:p>
+          <a:p>
+            <a:pPr marL="0" indent="0">
+              <a:buNone/>
+            </a:pPr>
+            <a:r>
+              <a:rPr lang="es-AR" sz="2000" dirty="0" smtClean="0">
+                <a:solidFill>
+                  <a:srgbClr val="000000"/>
+                </a:solidFill>
+                <a:latin typeface="Consolas" panose="020B0609020204030204" pitchFamily="49" charset="0"/>
+              </a:rPr>
+              <a:t>    </a:t>
+            </a:r>
+            <a:r>
+              <a:rPr lang="es-AR" sz="2000" dirty="0">
+                <a:solidFill>
+                  <a:srgbClr val="000000"/>
+                </a:solidFill>
+                <a:latin typeface="Consolas" panose="020B0609020204030204" pitchFamily="49" charset="0"/>
+              </a:rPr>
+              <a:t>}</a:t>
+            </a:r>
+          </a:p>
+          <a:p>
+            <a:pPr marL="0" indent="0">
+              <a:buNone/>
+            </a:pPr>
+            <a:r>
+              <a:rPr lang="es-AR" sz="2000" dirty="0" smtClean="0">
+                <a:solidFill>
+                  <a:srgbClr val="000000"/>
+                </a:solidFill>
+                <a:latin typeface="Consolas" panose="020B0609020204030204" pitchFamily="49" charset="0"/>
+              </a:rPr>
+              <a:t>}</a:t>
+            </a:r>
+            <a:endParaRPr lang="es-ES" sz="2000" dirty="0" smtClean="0">
+              <a:solidFill>
+                <a:schemeClr val="bg2"/>
+              </a:solidFill>
+            </a:endParaRPr>
+          </a:p>
+        </p:txBody>
+      </p:sp>
+    </p:spTree>
+    <p:extLst>
+      <p:ext uri="{BB962C8B-B14F-4D97-AF65-F5344CB8AC3E}">
+        <p14:creationId xmlns:p14="http://schemas.microsoft.com/office/powerpoint/2010/main" val="2670682090"/>
+      </p:ext>
+    </p:extLst>
+  </p:cSld>
+  <p:clrMapOvr>
+    <a:masterClrMapping/>
+  </p:clrMapOvr>
 </p:sld>
 </file>
 
@@ -8955,7 +9847,7 @@
         </p:spPr>
         <p:txBody>
           <a:bodyPr vert="horz" lIns="91440" tIns="45720" rIns="91440" bIns="45720" rtlCol="0">
-            <a:normAutofit lnSpcReduction="10000"/>
+            <a:normAutofit/>
           </a:bodyPr>
           <a:lstStyle>
             <a:lvl1pPr marL="228600" indent="-228600" algn="l" defTabSz="914400" rtl="0" eaLnBrk="1" latinLnBrk="0" hangingPunct="1">
@@ -9123,12 +10015,15 @@
           </a:lstStyle>
           <a:p>
             <a:pPr marL="0" indent="0">
+              <a:lnSpc>
+                <a:spcPct val="100000"/>
+              </a:lnSpc>
               <a:buFont typeface="Wingdings" pitchFamily="2" charset="2"/>
               <a:buNone/>
               <a:defRPr/>
             </a:pPr>
             <a:r>
-              <a:rPr lang="es-AR" sz="2800" dirty="0" smtClean="0">
+              <a:rPr lang="es-AR" dirty="0" smtClean="0">
                 <a:solidFill>
                   <a:srgbClr val="008000"/>
                 </a:solidFill>
@@ -9139,7 +10034,7 @@
               </a:rPr>
               <a:t>// Agrego la biblioteca</a:t>
             </a:r>
-            <a:endParaRPr lang="es-AR" sz="2800" dirty="0" smtClean="0">
+            <a:endParaRPr lang="es-AR" dirty="0" smtClean="0">
               <a:solidFill>
                 <a:srgbClr val="000000"/>
               </a:solidFill>
@@ -9151,12 +10046,15 @@
           </a:p>
           <a:p>
             <a:pPr marL="0" indent="0">
+              <a:lnSpc>
+                <a:spcPct val="100000"/>
+              </a:lnSpc>
               <a:buFont typeface="Wingdings" pitchFamily="2" charset="2"/>
               <a:buNone/>
               <a:defRPr/>
             </a:pPr>
             <a:r>
-              <a:rPr lang="es-AR" sz="2800" dirty="0" err="1" smtClean="0">
+              <a:rPr lang="es-AR" dirty="0" err="1" smtClean="0">
                 <a:solidFill>
                   <a:srgbClr val="0000FF"/>
                 </a:solidFill>
@@ -9168,7 +10066,7 @@
               <a:t>using</a:t>
             </a:r>
             <a:r>
-              <a:rPr lang="es-AR" sz="2800" dirty="0" smtClean="0">
+              <a:rPr lang="es-AR" dirty="0" smtClean="0">
                 <a:solidFill>
                   <a:srgbClr val="000000"/>
                 </a:solidFill>
@@ -9180,7 +10078,7 @@
               <a:t> </a:t>
             </a:r>
             <a:r>
-              <a:rPr lang="es-AR" sz="2800" dirty="0" err="1" smtClean="0">
+              <a:rPr lang="es-AR" dirty="0" err="1" smtClean="0">
                 <a:solidFill>
                   <a:srgbClr val="000000"/>
                 </a:solidFill>
@@ -9192,7 +10090,7 @@
               <a:t>System.Threading</a:t>
             </a:r>
             <a:r>
-              <a:rPr lang="es-AR" sz="2800" dirty="0" smtClean="0">
+              <a:rPr lang="es-AR" dirty="0" smtClean="0">
                 <a:solidFill>
                   <a:srgbClr val="000000"/>
                 </a:solidFill>
@@ -9206,11 +10104,14 @@
           </a:p>
           <a:p>
             <a:pPr marL="0" indent="0">
+              <a:lnSpc>
+                <a:spcPct val="100000"/>
+              </a:lnSpc>
               <a:buFont typeface="Wingdings" pitchFamily="2" charset="2"/>
               <a:buNone/>
               <a:defRPr/>
             </a:pPr>
-            <a:endParaRPr lang="es-AR" sz="2800" dirty="0" smtClean="0">
+            <a:endParaRPr lang="es-AR" dirty="0" smtClean="0">
               <a:solidFill>
                 <a:srgbClr val="000000"/>
               </a:solidFill>
@@ -9222,12 +10123,15 @@
           </a:p>
           <a:p>
             <a:pPr marL="0" indent="0">
+              <a:lnSpc>
+                <a:spcPct val="100000"/>
+              </a:lnSpc>
               <a:buFont typeface="Wingdings" pitchFamily="2" charset="2"/>
               <a:buNone/>
               <a:defRPr/>
             </a:pPr>
             <a:r>
-              <a:rPr lang="es-AR" sz="2800" dirty="0" smtClean="0">
+              <a:rPr lang="es-AR" dirty="0" smtClean="0">
                 <a:solidFill>
                   <a:srgbClr val="008000"/>
                 </a:solidFill>
@@ -9238,7 +10142,7 @@
               </a:rPr>
               <a:t>// ...</a:t>
             </a:r>
-            <a:endParaRPr lang="es-AR" sz="2800" dirty="0" smtClean="0">
+            <a:endParaRPr lang="es-AR" dirty="0" smtClean="0">
               <a:solidFill>
                 <a:srgbClr val="000000"/>
               </a:solidFill>
@@ -9250,11 +10154,14 @@
           </a:p>
           <a:p>
             <a:pPr marL="0" indent="0">
+              <a:lnSpc>
+                <a:spcPct val="100000"/>
+              </a:lnSpc>
               <a:buFont typeface="Wingdings" pitchFamily="2" charset="2"/>
               <a:buNone/>
               <a:defRPr/>
             </a:pPr>
-            <a:endParaRPr lang="es-AR" sz="2800" dirty="0" smtClean="0">
+            <a:endParaRPr lang="es-AR" dirty="0" smtClean="0">
               <a:solidFill>
                 <a:srgbClr val="000000"/>
               </a:solidFill>
@@ -9266,12 +10173,15 @@
           </a:p>
           <a:p>
             <a:pPr marL="0" indent="0">
+              <a:lnSpc>
+                <a:spcPct val="100000"/>
+              </a:lnSpc>
               <a:buFont typeface="Wingdings" pitchFamily="2" charset="2"/>
               <a:buNone/>
               <a:defRPr/>
             </a:pPr>
             <a:r>
-              <a:rPr lang="es-AR" sz="2800" dirty="0" smtClean="0">
+              <a:rPr lang="es-AR" dirty="0" smtClean="0">
                 <a:solidFill>
                   <a:srgbClr val="008000"/>
                 </a:solidFill>
@@ -9282,7 +10192,7 @@
               </a:rPr>
               <a:t>// Creo el hilo</a:t>
             </a:r>
-            <a:endParaRPr lang="es-AR" sz="2800" dirty="0" smtClean="0">
+            <a:endParaRPr lang="es-AR" dirty="0" smtClean="0">
               <a:solidFill>
                 <a:srgbClr val="000000"/>
               </a:solidFill>
@@ -9294,12 +10204,15 @@
           </a:p>
           <a:p>
             <a:pPr marL="0" indent="0">
+              <a:lnSpc>
+                <a:spcPct val="100000"/>
+              </a:lnSpc>
               <a:buFont typeface="Wingdings" pitchFamily="2" charset="2"/>
               <a:buNone/>
               <a:defRPr/>
             </a:pPr>
             <a:r>
-              <a:rPr lang="es-AR" sz="2800" dirty="0" err="1" smtClean="0">
+              <a:rPr lang="es-AR" dirty="0" err="1" smtClean="0">
                 <a:solidFill>
                   <a:srgbClr val="2B91AF"/>
                 </a:solidFill>
@@ -9311,7 +10224,7 @@
               <a:t>Thread</a:t>
             </a:r>
             <a:r>
-              <a:rPr lang="es-AR" sz="2800" dirty="0" smtClean="0">
+              <a:rPr lang="es-AR" dirty="0" smtClean="0">
                 <a:solidFill>
                   <a:srgbClr val="000000"/>
                 </a:solidFill>
@@ -9323,7 +10236,7 @@
               <a:t> t = </a:t>
             </a:r>
             <a:r>
-              <a:rPr lang="es-AR" sz="2800" dirty="0" smtClean="0">
+              <a:rPr lang="es-AR" dirty="0" smtClean="0">
                 <a:solidFill>
                   <a:srgbClr val="0000FF"/>
                 </a:solidFill>
@@ -9335,7 +10248,7 @@
               <a:t>new</a:t>
             </a:r>
             <a:r>
-              <a:rPr lang="es-AR" sz="2800" dirty="0" smtClean="0">
+              <a:rPr lang="es-AR" dirty="0" smtClean="0">
                 <a:solidFill>
                   <a:srgbClr val="000000"/>
                 </a:solidFill>
@@ -9347,7 +10260,7 @@
               <a:t> </a:t>
             </a:r>
             <a:r>
-              <a:rPr lang="es-AR" sz="2800" dirty="0" err="1" smtClean="0">
+              <a:rPr lang="es-AR" dirty="0" err="1" smtClean="0">
                 <a:solidFill>
                   <a:srgbClr val="2B91AF"/>
                 </a:solidFill>
@@ -9359,7 +10272,7 @@
               <a:t>Thread</a:t>
             </a:r>
             <a:r>
-              <a:rPr lang="es-AR" sz="2800" dirty="0" smtClean="0">
+              <a:rPr lang="es-AR" dirty="0" smtClean="0">
                 <a:solidFill>
                   <a:srgbClr val="000000"/>
                 </a:solidFill>
@@ -9371,7 +10284,7 @@
               <a:t>(</a:t>
             </a:r>
             <a:r>
-              <a:rPr lang="es-AR" sz="2800" dirty="0" err="1" smtClean="0">
+              <a:rPr lang="es-AR" dirty="0" err="1" smtClean="0">
                 <a:solidFill>
                   <a:srgbClr val="000000"/>
                 </a:solidFill>
@@ -9383,7 +10296,7 @@
               <a:t>UnMetodo</a:t>
             </a:r>
             <a:r>
-              <a:rPr lang="es-AR" sz="2800" dirty="0" smtClean="0">
+              <a:rPr lang="es-AR" dirty="0" smtClean="0">
                 <a:solidFill>
                   <a:srgbClr val="000000"/>
                 </a:solidFill>
@@ -9397,12 +10310,15 @@
           </a:p>
           <a:p>
             <a:pPr marL="0" indent="0">
+              <a:lnSpc>
+                <a:spcPct val="100000"/>
+              </a:lnSpc>
               <a:buFont typeface="Wingdings" pitchFamily="2" charset="2"/>
               <a:buNone/>
               <a:defRPr/>
             </a:pPr>
             <a:r>
-              <a:rPr lang="es-AR" sz="2800" dirty="0" smtClean="0">
+              <a:rPr lang="es-AR" dirty="0" smtClean="0">
                 <a:solidFill>
                   <a:srgbClr val="008000"/>
                 </a:solidFill>
@@ -9413,7 +10329,7 @@
               </a:rPr>
               <a:t>// Inicio el Hilo</a:t>
             </a:r>
-            <a:endParaRPr lang="es-AR" sz="2800" dirty="0" smtClean="0">
+            <a:endParaRPr lang="es-AR" dirty="0" smtClean="0">
               <a:solidFill>
                 <a:srgbClr val="000000"/>
               </a:solidFill>
@@ -9425,12 +10341,15 @@
           </a:p>
           <a:p>
             <a:pPr marL="0" indent="0">
+              <a:lnSpc>
+                <a:spcPct val="100000"/>
+              </a:lnSpc>
               <a:buFont typeface="Wingdings" pitchFamily="2" charset="2"/>
               <a:buNone/>
               <a:defRPr/>
             </a:pPr>
             <a:r>
-              <a:rPr lang="es-AR" sz="2800" dirty="0" err="1" smtClean="0">
+              <a:rPr lang="es-AR" dirty="0" err="1" smtClean="0">
                 <a:solidFill>
                   <a:srgbClr val="000000"/>
                 </a:solidFill>
@@ -9442,7 +10361,7 @@
               <a:t>t.Start</a:t>
             </a:r>
             <a:r>
-              <a:rPr lang="es-AR" sz="2800" dirty="0" smtClean="0">
+              <a:rPr lang="es-AR" dirty="0" smtClean="0">
                 <a:solidFill>
                   <a:srgbClr val="000000"/>
                 </a:solidFill>
@@ -9453,15 +10372,6 @@
               </a:rPr>
               <a:t>();</a:t>
             </a:r>
-            <a:endParaRPr lang="es-AR" sz="2800" dirty="0" smtClean="0">
-              <a:solidFill>
-                <a:srgbClr val="000000"/>
-              </a:solidFill>
-              <a:highlight>
-                <a:srgbClr val="FFFFFF"/>
-              </a:highlight>
-              <a:latin typeface="Consolas" panose="020B0609020204030204" pitchFamily="49" charset="0"/>
-            </a:endParaRPr>
           </a:p>
         </p:txBody>
       </p:sp>
@@ -9519,7 +10429,11 @@
           <a:p>
             <a:r>
               <a:rPr lang="es-AR" dirty="0" smtClean="0"/>
-              <a:t>Ejemplo con parámetros</a:t>
+              <a:t>Hilos </a:t>
+            </a:r>
+            <a:r>
+              <a:rPr lang="es-AR" dirty="0" err="1" smtClean="0"/>
+              <a:t>Parametrizados</a:t>
             </a:r>
             <a:endParaRPr lang="es-AR" dirty="0"/>
           </a:p>
@@ -9527,957 +10441,182 @@
       </p:sp>
       <p:sp>
         <p:nvSpPr>
-          <p:cNvPr id="4" name="Rectangle 3"/>
-          <p:cNvSpPr txBox="1">
-            <a:spLocks noChangeArrowheads="1"/>
+          <p:cNvPr id="3" name="Marcador de contenido 2"/>
+          <p:cNvSpPr>
+            <a:spLocks noGrp="1"/>
           </p:cNvSpPr>
-          <p:nvPr/>
-        </p:nvSpPr>
-        <p:spPr>
-          <a:xfrm>
-            <a:off x="712071" y="2208726"/>
-            <a:ext cx="8763000" cy="2031325"/>
-          </a:xfrm>
-          <a:prstGeom prst="rect">
-            <a:avLst/>
-          </a:prstGeom>
-          <a:solidFill>
-            <a:schemeClr val="tx1"/>
-          </a:solidFill>
-          <a:ln>
-            <a:solidFill>
-              <a:schemeClr val="bg1">
-                <a:lumMod val="40000"/>
-                <a:lumOff val="60000"/>
-              </a:schemeClr>
-            </a:solidFill>
-          </a:ln>
+          <p:nvPr>
+            <p:ph idx="1"/>
+          </p:nvPr>
+        </p:nvSpPr>
+        <p:spPr>
+          <a:xfrm>
+            <a:off x="680321" y="2336872"/>
+            <a:ext cx="9613861" cy="4038169"/>
+          </a:xfrm>
         </p:spPr>
         <p:txBody>
-          <a:bodyPr vert="horz" lIns="91440" tIns="45720" rIns="91440" bIns="45720" rtlCol="0">
-            <a:normAutofit lnSpcReduction="10000"/>
+          <a:bodyPr>
+            <a:normAutofit/>
           </a:bodyPr>
-          <a:lstStyle>
-            <a:lvl1pPr marL="228600" indent="-228600" algn="l" defTabSz="914400" rtl="0" eaLnBrk="1" latinLnBrk="0" hangingPunct="1">
-              <a:lnSpc>
-                <a:spcPct val="90000"/>
-              </a:lnSpc>
-              <a:spcBef>
-                <a:spcPts val="1000"/>
-              </a:spcBef>
-              <a:buFont typeface="Arial" panose="020B0604020202020204" pitchFamily="34" charset="0"/>
-              <a:buChar char="•"/>
-              <a:defRPr sz="2400" kern="1200">
-                <a:solidFill>
-                  <a:schemeClr val="tx1"/>
-                </a:solidFill>
-                <a:latin typeface="+mn-lt"/>
-                <a:ea typeface="+mn-ea"/>
-                <a:cs typeface="+mn-cs"/>
-              </a:defRPr>
-            </a:lvl1pPr>
-            <a:lvl2pPr marL="685800" indent="-228600" algn="l" defTabSz="914400" rtl="0" eaLnBrk="1" latinLnBrk="0" hangingPunct="1">
-              <a:lnSpc>
-                <a:spcPct val="90000"/>
-              </a:lnSpc>
-              <a:spcBef>
-                <a:spcPts val="500"/>
-              </a:spcBef>
-              <a:buFont typeface="Arial" panose="020B0604020202020204" pitchFamily="34" charset="0"/>
-              <a:buChar char="•"/>
-              <a:defRPr sz="2000" kern="1200">
-                <a:solidFill>
-                  <a:schemeClr val="tx1"/>
-                </a:solidFill>
-                <a:latin typeface="+mn-lt"/>
-                <a:ea typeface="+mn-ea"/>
-                <a:cs typeface="+mn-cs"/>
-              </a:defRPr>
-            </a:lvl2pPr>
-            <a:lvl3pPr marL="1143000" indent="-228600" algn="l" defTabSz="914400" rtl="0" eaLnBrk="1" latinLnBrk="0" hangingPunct="1">
-              <a:lnSpc>
-                <a:spcPct val="90000"/>
-              </a:lnSpc>
-              <a:spcBef>
-                <a:spcPts val="500"/>
-              </a:spcBef>
-              <a:buFont typeface="Arial" panose="020B0604020202020204" pitchFamily="34" charset="0"/>
-              <a:buChar char="•"/>
-              <a:defRPr sz="1800" kern="1200">
-                <a:solidFill>
-                  <a:schemeClr val="tx1"/>
-                </a:solidFill>
-                <a:latin typeface="+mn-lt"/>
-                <a:ea typeface="+mn-ea"/>
-                <a:cs typeface="+mn-cs"/>
-              </a:defRPr>
-            </a:lvl3pPr>
-            <a:lvl4pPr marL="1600200" indent="-228600" algn="l" defTabSz="914400" rtl="0" eaLnBrk="1" latinLnBrk="0" hangingPunct="1">
-              <a:lnSpc>
-                <a:spcPct val="90000"/>
-              </a:lnSpc>
-              <a:spcBef>
-                <a:spcPts val="500"/>
-              </a:spcBef>
-              <a:buFont typeface="Arial" panose="020B0604020202020204" pitchFamily="34" charset="0"/>
-              <a:buChar char="•"/>
-              <a:defRPr sz="1600" kern="1200">
-                <a:solidFill>
-                  <a:schemeClr val="tx1"/>
-                </a:solidFill>
-                <a:latin typeface="+mn-lt"/>
-                <a:ea typeface="+mn-ea"/>
-                <a:cs typeface="+mn-cs"/>
-              </a:defRPr>
-            </a:lvl4pPr>
-            <a:lvl5pPr marL="2057400" indent="-228600" algn="l" defTabSz="914400" rtl="0" eaLnBrk="1" latinLnBrk="0" hangingPunct="1">
-              <a:lnSpc>
-                <a:spcPct val="90000"/>
-              </a:lnSpc>
-              <a:spcBef>
-                <a:spcPts val="500"/>
-              </a:spcBef>
-              <a:buFont typeface="Arial" panose="020B0604020202020204" pitchFamily="34" charset="0"/>
-              <a:buChar char="•"/>
-              <a:defRPr sz="1600" kern="1200">
-                <a:solidFill>
-                  <a:schemeClr val="tx1"/>
-                </a:solidFill>
-                <a:latin typeface="+mn-lt"/>
-                <a:ea typeface="+mn-ea"/>
-                <a:cs typeface="+mn-cs"/>
-              </a:defRPr>
-            </a:lvl5pPr>
-            <a:lvl6pPr marL="2514600" indent="-228600" algn="l" defTabSz="914400" rtl="0" eaLnBrk="1" latinLnBrk="0" hangingPunct="1">
-              <a:lnSpc>
-                <a:spcPct val="90000"/>
-              </a:lnSpc>
-              <a:spcBef>
-                <a:spcPts val="500"/>
-              </a:spcBef>
-              <a:buFont typeface="Arial" panose="020B0604020202020204" pitchFamily="34" charset="0"/>
-              <a:buChar char="•"/>
-              <a:defRPr sz="1400" kern="1200">
-                <a:solidFill>
-                  <a:schemeClr val="tx1"/>
-                </a:solidFill>
-                <a:latin typeface="+mn-lt"/>
-                <a:ea typeface="+mn-ea"/>
-                <a:cs typeface="+mn-cs"/>
-              </a:defRPr>
-            </a:lvl6pPr>
-            <a:lvl7pPr marL="2971800" indent="-228600" algn="l" defTabSz="914400" rtl="0" eaLnBrk="1" latinLnBrk="0" hangingPunct="1">
-              <a:lnSpc>
-                <a:spcPct val="90000"/>
-              </a:lnSpc>
-              <a:spcBef>
-                <a:spcPts val="500"/>
-              </a:spcBef>
-              <a:buFont typeface="Arial" panose="020B0604020202020204" pitchFamily="34" charset="0"/>
-              <a:buChar char="•"/>
-              <a:defRPr sz="1400" kern="1200">
-                <a:solidFill>
-                  <a:schemeClr val="tx1"/>
-                </a:solidFill>
-                <a:latin typeface="+mn-lt"/>
-                <a:ea typeface="+mn-ea"/>
-                <a:cs typeface="+mn-cs"/>
-              </a:defRPr>
-            </a:lvl7pPr>
-            <a:lvl8pPr marL="3429000" indent="-228600" algn="l" defTabSz="914400" rtl="0" eaLnBrk="1" latinLnBrk="0" hangingPunct="1">
-              <a:lnSpc>
-                <a:spcPct val="90000"/>
-              </a:lnSpc>
-              <a:spcBef>
-                <a:spcPts val="500"/>
-              </a:spcBef>
-              <a:buFont typeface="Arial" panose="020B0604020202020204" pitchFamily="34" charset="0"/>
-              <a:buChar char="•"/>
-              <a:defRPr sz="1400" kern="1200">
-                <a:solidFill>
-                  <a:schemeClr val="tx1"/>
-                </a:solidFill>
-                <a:latin typeface="+mn-lt"/>
-                <a:ea typeface="+mn-ea"/>
-                <a:cs typeface="+mn-cs"/>
-              </a:defRPr>
-            </a:lvl8pPr>
-            <a:lvl9pPr marL="3886200" indent="-228600" algn="l" defTabSz="914400" rtl="0" eaLnBrk="1" latinLnBrk="0" hangingPunct="1">
-              <a:lnSpc>
-                <a:spcPct val="90000"/>
-              </a:lnSpc>
-              <a:spcBef>
-                <a:spcPts val="500"/>
-              </a:spcBef>
-              <a:buFont typeface="Arial" panose="020B0604020202020204" pitchFamily="34" charset="0"/>
-              <a:buChar char="•"/>
-              <a:defRPr sz="1400" kern="1200">
-                <a:solidFill>
-                  <a:schemeClr val="tx1"/>
-                </a:solidFill>
-                <a:latin typeface="+mn-lt"/>
-                <a:ea typeface="+mn-ea"/>
-                <a:cs typeface="+mn-cs"/>
-              </a:defRPr>
-            </a:lvl9pPr>
-          </a:lstStyle>
-          <a:p>
-            <a:pPr marL="0" indent="0">
-              <a:buFont typeface="Wingdings" pitchFamily="2" charset="2"/>
-              <a:buNone/>
+          <a:lstStyle/>
+          <a:p>
+            <a:pPr>
               <a:defRPr/>
             </a:pPr>
             <a:r>
-              <a:rPr lang="es-AR" smtClean="0">
-                <a:solidFill>
-                  <a:srgbClr val="008000"/>
-                </a:solidFill>
-                <a:highlight>
-                  <a:srgbClr val="FFFFFF"/>
-                </a:highlight>
-                <a:latin typeface="Consolas" panose="020B0609020204030204" pitchFamily="49" charset="0"/>
-              </a:rPr>
-              <a:t>// Creo el hilo</a:t>
-            </a:r>
-            <a:endParaRPr lang="es-AR" smtClean="0">
-              <a:solidFill>
-                <a:srgbClr val="000000"/>
-              </a:solidFill>
-              <a:highlight>
-                <a:srgbClr val="FFFFFF"/>
-              </a:highlight>
-              <a:latin typeface="Consolas" panose="020B0609020204030204" pitchFamily="49" charset="0"/>
-            </a:endParaRPr>
-          </a:p>
-          <a:p>
-            <a:pPr marL="0" indent="0">
-              <a:buFont typeface="Wingdings" pitchFamily="2" charset="2"/>
-              <a:buNone/>
+              <a:rPr lang="es-AR" dirty="0" smtClean="0">
+                <a:effectLst>
+                  <a:outerShdw blurRad="38100" dist="38100" dir="2700000" algn="tl">
+                    <a:srgbClr val="000000">
+                      <a:alpha val="43137"/>
+                    </a:srgbClr>
+                  </a:outerShdw>
+                </a:effectLst>
+                <a:latin typeface="Franklin Gothic Medium" panose="020B0603020102020204" pitchFamily="34" charset="0"/>
+              </a:rPr>
+              <a:t>El método utilizado puede tener parámetros.</a:t>
+            </a:r>
+          </a:p>
+          <a:p>
+            <a:pPr>
               <a:defRPr/>
             </a:pPr>
-            <a:r>
-              <a:rPr lang="en-US" smtClean="0">
-                <a:solidFill>
-                  <a:srgbClr val="2B91AF"/>
-                </a:solidFill>
-                <a:highlight>
-                  <a:srgbClr val="FFFFFF"/>
-                </a:highlight>
-                <a:latin typeface="Consolas" panose="020B0609020204030204" pitchFamily="49" charset="0"/>
-              </a:rPr>
-              <a:t>Thread</a:t>
-            </a:r>
-            <a:r>
-              <a:rPr lang="en-US" smtClean="0">
-                <a:solidFill>
-                  <a:srgbClr val="000000"/>
-                </a:solidFill>
-                <a:highlight>
-                  <a:srgbClr val="FFFFFF"/>
-                </a:highlight>
-                <a:latin typeface="Consolas" panose="020B0609020204030204" pitchFamily="49" charset="0"/>
-              </a:rPr>
-              <a:t> t = </a:t>
-            </a:r>
-            <a:r>
-              <a:rPr lang="en-US" smtClean="0">
-                <a:solidFill>
-                  <a:srgbClr val="0000FF"/>
-                </a:solidFill>
-                <a:highlight>
-                  <a:srgbClr val="FFFFFF"/>
-                </a:highlight>
-                <a:latin typeface="Consolas" panose="020B0609020204030204" pitchFamily="49" charset="0"/>
-              </a:rPr>
-              <a:t>new</a:t>
-            </a:r>
-            <a:r>
-              <a:rPr lang="en-US" smtClean="0">
-                <a:solidFill>
-                  <a:srgbClr val="000000"/>
-                </a:solidFill>
-                <a:highlight>
-                  <a:srgbClr val="FFFFFF"/>
-                </a:highlight>
-                <a:latin typeface="Consolas" panose="020B0609020204030204" pitchFamily="49" charset="0"/>
-              </a:rPr>
-              <a:t> </a:t>
-            </a:r>
-            <a:r>
-              <a:rPr lang="en-US" smtClean="0">
-                <a:solidFill>
-                  <a:srgbClr val="2B91AF"/>
-                </a:solidFill>
-                <a:highlight>
-                  <a:srgbClr val="FFFFFF"/>
-                </a:highlight>
-                <a:latin typeface="Consolas" panose="020B0609020204030204" pitchFamily="49" charset="0"/>
-              </a:rPr>
-              <a:t>Thread</a:t>
-            </a:r>
-            <a:r>
-              <a:rPr lang="en-US" smtClean="0">
-                <a:solidFill>
-                  <a:srgbClr val="000000"/>
-                </a:solidFill>
-                <a:highlight>
-                  <a:srgbClr val="FFFFFF"/>
-                </a:highlight>
-                <a:latin typeface="Consolas" panose="020B0609020204030204" pitchFamily="49" charset="0"/>
-              </a:rPr>
-              <a:t>(</a:t>
-            </a:r>
-            <a:r>
-              <a:rPr lang="en-US" smtClean="0">
-                <a:solidFill>
-                  <a:srgbClr val="0000FF"/>
-                </a:solidFill>
-                <a:highlight>
-                  <a:srgbClr val="FFFFFF"/>
-                </a:highlight>
-                <a:latin typeface="Consolas" panose="020B0609020204030204" pitchFamily="49" charset="0"/>
-              </a:rPr>
-              <a:t>new</a:t>
-            </a:r>
-            <a:r>
-              <a:rPr lang="en-US" smtClean="0">
-                <a:solidFill>
-                  <a:srgbClr val="000000"/>
-                </a:solidFill>
-                <a:highlight>
-                  <a:srgbClr val="FFFFFF"/>
-                </a:highlight>
-                <a:latin typeface="Consolas" panose="020B0609020204030204" pitchFamily="49" charset="0"/>
-              </a:rPr>
-              <a:t> </a:t>
-            </a:r>
-            <a:r>
-              <a:rPr lang="en-US" smtClean="0">
-                <a:solidFill>
-                  <a:srgbClr val="2B91AF"/>
-                </a:solidFill>
-                <a:highlight>
-                  <a:srgbClr val="FFFFFF"/>
-                </a:highlight>
-                <a:latin typeface="Consolas" panose="020B0609020204030204" pitchFamily="49" charset="0"/>
-              </a:rPr>
-              <a:t>ParameterizedThreadStart</a:t>
-            </a:r>
-            <a:r>
-              <a:rPr lang="en-US" smtClean="0">
-                <a:solidFill>
-                  <a:srgbClr val="000000"/>
-                </a:solidFill>
-                <a:highlight>
-                  <a:srgbClr val="FFFFFF"/>
-                </a:highlight>
-                <a:latin typeface="Consolas" panose="020B0609020204030204" pitchFamily="49" charset="0"/>
-              </a:rPr>
-              <a:t>(Metodo));</a:t>
-            </a:r>
-          </a:p>
-          <a:p>
-            <a:pPr marL="0" indent="0">
-              <a:buFont typeface="Wingdings" pitchFamily="2" charset="2"/>
-              <a:buNone/>
+            <a:endParaRPr lang="es-AR" dirty="0" smtClean="0">
+              <a:effectLst>
+                <a:outerShdw blurRad="38100" dist="38100" dir="2700000" algn="tl">
+                  <a:srgbClr val="000000">
+                    <a:alpha val="43137"/>
+                  </a:srgbClr>
+                </a:outerShdw>
+              </a:effectLst>
+              <a:latin typeface="Franklin Gothic Medium" panose="020B0603020102020204" pitchFamily="34" charset="0"/>
+            </a:endParaRPr>
+          </a:p>
+          <a:p>
+            <a:pPr>
               <a:defRPr/>
             </a:pPr>
             <a:r>
-              <a:rPr lang="es-AR" smtClean="0">
-                <a:solidFill>
-                  <a:srgbClr val="008000"/>
-                </a:solidFill>
-                <a:highlight>
-                  <a:srgbClr val="FFFFFF"/>
-                </a:highlight>
-                <a:latin typeface="Consolas" panose="020B0609020204030204" pitchFamily="49" charset="0"/>
-              </a:rPr>
-              <a:t>// Inicio el Hilo, indicando el parámetro</a:t>
-            </a:r>
-            <a:endParaRPr lang="es-AR" smtClean="0">
-              <a:solidFill>
-                <a:srgbClr val="000000"/>
-              </a:solidFill>
-              <a:highlight>
-                <a:srgbClr val="FFFFFF"/>
-              </a:highlight>
-              <a:latin typeface="Consolas" panose="020B0609020204030204" pitchFamily="49" charset="0"/>
-            </a:endParaRPr>
-          </a:p>
-          <a:p>
-            <a:pPr marL="0" indent="0">
-              <a:buFont typeface="Wingdings" pitchFamily="2" charset="2"/>
-              <a:buNone/>
+              <a:rPr lang="es-AR" dirty="0" smtClean="0">
+                <a:effectLst>
+                  <a:outerShdw blurRad="38100" dist="38100" dir="2700000" algn="tl">
+                    <a:srgbClr val="000000">
+                      <a:alpha val="43137"/>
+                    </a:srgbClr>
+                  </a:outerShdw>
+                </a:effectLst>
+                <a:latin typeface="Franklin Gothic Medium" panose="020B0603020102020204" pitchFamily="34" charset="0"/>
+              </a:rPr>
+              <a:t>Para esto deberemos </a:t>
+            </a:r>
+            <a:r>
+              <a:rPr lang="es-AR" dirty="0">
+                <a:effectLst>
+                  <a:outerShdw blurRad="38100" dist="38100" dir="2700000" algn="tl">
+                    <a:srgbClr val="000000">
+                      <a:alpha val="43137"/>
+                    </a:srgbClr>
+                  </a:outerShdw>
+                </a:effectLst>
+                <a:latin typeface="Franklin Gothic Medium" panose="020B0603020102020204" pitchFamily="34" charset="0"/>
+              </a:rPr>
+              <a:t>utilizar </a:t>
+            </a:r>
+            <a:r>
+              <a:rPr lang="es-AR" dirty="0" err="1" smtClean="0">
+                <a:effectLst>
+                  <a:outerShdw blurRad="38100" dist="38100" dir="2700000" algn="tl">
+                    <a:srgbClr val="000000">
+                      <a:alpha val="43137"/>
+                    </a:srgbClr>
+                  </a:outerShdw>
+                </a:effectLst>
+                <a:latin typeface="Franklin Gothic Medium" panose="020B0603020102020204" pitchFamily="34" charset="0"/>
+              </a:rPr>
+              <a:t>ParameterizedThreadStart</a:t>
+            </a:r>
+            <a:r>
+              <a:rPr lang="es-AR" dirty="0" smtClean="0">
+                <a:effectLst>
+                  <a:outerShdw blurRad="38100" dist="38100" dir="2700000" algn="tl">
+                    <a:srgbClr val="000000">
+                      <a:alpha val="43137"/>
+                    </a:srgbClr>
+                  </a:outerShdw>
+                </a:effectLst>
+                <a:latin typeface="Franklin Gothic Medium" panose="020B0603020102020204" pitchFamily="34" charset="0"/>
+              </a:rPr>
+              <a:t> al instanciar el nuevo hilo.</a:t>
+            </a:r>
+          </a:p>
+          <a:p>
+            <a:pPr>
               <a:defRPr/>
             </a:pPr>
-            <a:r>
-              <a:rPr lang="es-AR" smtClean="0">
-                <a:solidFill>
-                  <a:srgbClr val="000000"/>
-                </a:solidFill>
-                <a:highlight>
-                  <a:srgbClr val="FFFFFF"/>
-                </a:highlight>
-                <a:latin typeface="Consolas" panose="020B0609020204030204" pitchFamily="49" charset="0"/>
-              </a:rPr>
-              <a:t>t.Start(1000);</a:t>
-            </a:r>
-            <a:endParaRPr lang="es-AR" dirty="0" smtClean="0">
-              <a:solidFill>
-                <a:srgbClr val="000000"/>
-              </a:solidFill>
-              <a:highlight>
-                <a:srgbClr val="FFFFFF"/>
-              </a:highlight>
-              <a:latin typeface="Consolas" panose="020B0609020204030204" pitchFamily="49" charset="0"/>
+            <a:endParaRPr lang="es-AR" dirty="0">
+              <a:effectLst>
+                <a:outerShdw blurRad="38100" dist="38100" dir="2700000" algn="tl">
+                  <a:srgbClr val="000000">
+                    <a:alpha val="43137"/>
+                  </a:srgbClr>
+                </a:outerShdw>
+              </a:effectLst>
+              <a:latin typeface="Franklin Gothic Medium" panose="020B0603020102020204" pitchFamily="34" charset="0"/>
             </a:endParaRPr>
           </a:p>
-        </p:txBody>
-      </p:sp>
-      <p:sp>
-        <p:nvSpPr>
-          <p:cNvPr id="5" name="Rectangle 3"/>
-          <p:cNvSpPr txBox="1">
-            <a:spLocks noChangeArrowheads="1"/>
-          </p:cNvSpPr>
-          <p:nvPr/>
-        </p:nvSpPr>
-        <p:spPr bwMode="auto">
-          <a:xfrm>
-            <a:off x="680321" y="4853501"/>
-            <a:ext cx="8763000" cy="1698927"/>
-          </a:xfrm>
-          <a:prstGeom prst="rect">
-            <a:avLst/>
-          </a:prstGeom>
-          <a:solidFill>
-            <a:schemeClr val="tx1"/>
-          </a:solidFill>
-          <a:ln w="9525">
-            <a:solidFill>
-              <a:schemeClr val="bg1">
-                <a:lumMod val="40000"/>
-                <a:lumOff val="60000"/>
-              </a:schemeClr>
-            </a:solidFill>
-            <a:miter lim="800000"/>
-            <a:headEnd/>
-            <a:tailEnd/>
-          </a:ln>
-          <a:effectLst/>
-        </p:spPr>
-        <p:txBody>
-          <a:bodyPr>
-            <a:spAutoFit/>
-          </a:bodyPr>
-          <a:lstStyle>
-            <a:lvl1pPr marL="558800" indent="-558800" algn="l" rtl="0" eaLnBrk="0" fontAlgn="base" hangingPunct="0">
-              <a:lnSpc>
-                <a:spcPct val="90000"/>
-              </a:lnSpc>
-              <a:spcBef>
-                <a:spcPct val="25000"/>
-              </a:spcBef>
-              <a:spcAft>
-                <a:spcPct val="0"/>
-              </a:spcAft>
-              <a:buClr>
-                <a:schemeClr val="tx2"/>
-              </a:buClr>
-              <a:buSzPct val="75000"/>
-              <a:buFont typeface="Wingdings" pitchFamily="2" charset="2"/>
-              <a:buBlip>
-                <a:blip r:embed="rId2"/>
-              </a:buBlip>
-              <a:defRPr sz="3200">
-                <a:solidFill>
-                  <a:schemeClr val="tx1"/>
-                </a:solidFill>
+          <a:p>
+            <a:pPr>
+              <a:defRPr/>
+            </a:pPr>
+            <a:r>
+              <a:rPr lang="es-AR" dirty="0" smtClean="0">
                 <a:effectLst>
                   <a:outerShdw blurRad="38100" dist="38100" dir="2700000" algn="tl">
-                    <a:srgbClr val="000000"/>
+                    <a:srgbClr val="000000">
+                      <a:alpha val="43137"/>
+                    </a:srgbClr>
                   </a:outerShdw>
                 </a:effectLst>
-                <a:latin typeface="+mn-lt"/>
-                <a:ea typeface="+mn-ea"/>
-                <a:cs typeface="+mn-cs"/>
-              </a:defRPr>
-            </a:lvl1pPr>
-            <a:lvl2pPr marL="977900" indent="-417513" algn="l" rtl="0" eaLnBrk="0" fontAlgn="base" hangingPunct="0">
-              <a:lnSpc>
-                <a:spcPct val="90000"/>
-              </a:lnSpc>
-              <a:spcBef>
-                <a:spcPct val="25000"/>
-              </a:spcBef>
-              <a:spcAft>
-                <a:spcPct val="0"/>
-              </a:spcAft>
-              <a:buClr>
-                <a:schemeClr val="tx2"/>
-              </a:buClr>
-              <a:buSzPct val="60000"/>
-              <a:buFont typeface="Wingdings" pitchFamily="2" charset="2"/>
-              <a:buChar char="l"/>
-              <a:defRPr sz="2800">
-                <a:solidFill>
-                  <a:schemeClr val="tx1"/>
-                </a:solidFill>
+                <a:latin typeface="Franklin Gothic Medium" panose="020B0603020102020204" pitchFamily="34" charset="0"/>
+              </a:rPr>
+              <a:t>El parámetro se pasará mediante el método </a:t>
+            </a:r>
+            <a:r>
+              <a:rPr lang="es-AR" dirty="0" err="1" smtClean="0">
                 <a:effectLst>
                   <a:outerShdw blurRad="38100" dist="38100" dir="2700000" algn="tl">
-                    <a:srgbClr val="000000"/>
+                    <a:srgbClr val="000000">
+                      <a:alpha val="43137"/>
+                    </a:srgbClr>
                   </a:outerShdw>
                 </a:effectLst>
-                <a:latin typeface="+mn-lt"/>
-              </a:defRPr>
-            </a:lvl2pPr>
-            <a:lvl3pPr marL="1333500" indent="-354013" algn="l" rtl="0" eaLnBrk="0" fontAlgn="base" hangingPunct="0">
-              <a:lnSpc>
-                <a:spcPct val="90000"/>
-              </a:lnSpc>
-              <a:spcBef>
-                <a:spcPct val="25000"/>
-              </a:spcBef>
-              <a:spcAft>
-                <a:spcPct val="0"/>
-              </a:spcAft>
-              <a:buClr>
-                <a:schemeClr val="tx2"/>
-              </a:buClr>
-              <a:buSzPct val="65000"/>
-              <a:buFont typeface="Wingdings" pitchFamily="2" charset="2"/>
-              <a:buChar char="l"/>
-              <a:defRPr sz="2800">
-                <a:solidFill>
-                  <a:schemeClr val="tx1"/>
-                </a:solidFill>
+                <a:latin typeface="Franklin Gothic Medium" panose="020B0603020102020204" pitchFamily="34" charset="0"/>
+              </a:rPr>
+              <a:t>Start</a:t>
+            </a:r>
+            <a:r>
+              <a:rPr lang="es-AR" dirty="0" smtClean="0">
                 <a:effectLst>
                   <a:outerShdw blurRad="38100" dist="38100" dir="2700000" algn="tl">
-                    <a:srgbClr val="000000"/>
+                    <a:srgbClr val="000000">
+                      <a:alpha val="43137"/>
+                    </a:srgbClr>
                   </a:outerShdw>
                 </a:effectLst>
-                <a:latin typeface="+mn-lt"/>
-              </a:defRPr>
-            </a:lvl3pPr>
-            <a:lvl4pPr marL="1665288" indent="-330200" algn="l" rtl="0" eaLnBrk="0" fontAlgn="base" hangingPunct="0">
-              <a:lnSpc>
-                <a:spcPct val="90000"/>
-              </a:lnSpc>
-              <a:spcBef>
-                <a:spcPct val="25000"/>
-              </a:spcBef>
-              <a:spcAft>
-                <a:spcPct val="0"/>
-              </a:spcAft>
-              <a:buClr>
-                <a:schemeClr val="tx2"/>
-              </a:buClr>
-              <a:buSzPct val="65000"/>
-              <a:buFont typeface="Wingdings" pitchFamily="2" charset="2"/>
-              <a:buChar char="l"/>
-              <a:defRPr sz="2800" b="1">
-                <a:solidFill>
-                  <a:schemeClr val="tx1"/>
-                </a:solidFill>
-                <a:effectLst>
-                  <a:outerShdw blurRad="38100" dist="38100" dir="2700000" algn="tl">
-                    <a:srgbClr val="000000"/>
-                  </a:outerShdw>
-                </a:effectLst>
-                <a:latin typeface="Franklin Gothic Book" pitchFamily="34" charset="0"/>
-              </a:defRPr>
-            </a:lvl4pPr>
-            <a:lvl5pPr marL="1981200" indent="-314325" algn="l" rtl="0" eaLnBrk="0" fontAlgn="base" hangingPunct="0">
-              <a:lnSpc>
-                <a:spcPct val="90000"/>
-              </a:lnSpc>
-              <a:spcBef>
-                <a:spcPct val="25000"/>
-              </a:spcBef>
-              <a:spcAft>
-                <a:spcPct val="0"/>
-              </a:spcAft>
-              <a:buClr>
-                <a:schemeClr val="tx2"/>
-              </a:buClr>
-              <a:buSzPct val="65000"/>
-              <a:buFont typeface="Wingdings" pitchFamily="2" charset="2"/>
-              <a:buChar char="l"/>
-              <a:defRPr sz="2800" b="1">
-                <a:solidFill>
-                  <a:schemeClr val="tx1"/>
-                </a:solidFill>
-                <a:effectLst>
-                  <a:outerShdw blurRad="38100" dist="38100" dir="2700000" algn="tl">
-                    <a:srgbClr val="000000"/>
-                  </a:outerShdw>
-                </a:effectLst>
-                <a:latin typeface="Franklin Gothic Book" pitchFamily="34" charset="0"/>
-              </a:defRPr>
-            </a:lvl5pPr>
-            <a:lvl6pPr marL="2438400" indent="-314325" algn="l" rtl="0" fontAlgn="base">
-              <a:lnSpc>
-                <a:spcPct val="90000"/>
-              </a:lnSpc>
-              <a:spcBef>
-                <a:spcPct val="25000"/>
-              </a:spcBef>
-              <a:spcAft>
-                <a:spcPct val="0"/>
-              </a:spcAft>
-              <a:buClr>
-                <a:schemeClr val="tx2"/>
-              </a:buClr>
-              <a:buSzPct val="65000"/>
-              <a:buFont typeface="Wingdings" pitchFamily="2" charset="2"/>
-              <a:buChar char="l"/>
-              <a:defRPr sz="2800" b="1">
-                <a:solidFill>
-                  <a:schemeClr val="tx1"/>
-                </a:solidFill>
-                <a:effectLst>
-                  <a:outerShdw blurRad="38100" dist="38100" dir="2700000" algn="tl">
-                    <a:srgbClr val="000000"/>
-                  </a:outerShdw>
-                </a:effectLst>
-                <a:latin typeface="Franklin Gothic Book" pitchFamily="34" charset="0"/>
-              </a:defRPr>
-            </a:lvl6pPr>
-            <a:lvl7pPr marL="2895600" indent="-314325" algn="l" rtl="0" fontAlgn="base">
-              <a:lnSpc>
-                <a:spcPct val="90000"/>
-              </a:lnSpc>
-              <a:spcBef>
-                <a:spcPct val="25000"/>
-              </a:spcBef>
-              <a:spcAft>
-                <a:spcPct val="0"/>
-              </a:spcAft>
-              <a:buClr>
-                <a:schemeClr val="tx2"/>
-              </a:buClr>
-              <a:buSzPct val="65000"/>
-              <a:buFont typeface="Wingdings" pitchFamily="2" charset="2"/>
-              <a:buChar char="l"/>
-              <a:defRPr sz="2800" b="1">
-                <a:solidFill>
-                  <a:schemeClr val="tx1"/>
-                </a:solidFill>
-                <a:effectLst>
-                  <a:outerShdw blurRad="38100" dist="38100" dir="2700000" algn="tl">
-                    <a:srgbClr val="000000"/>
-                  </a:outerShdw>
-                </a:effectLst>
-                <a:latin typeface="Franklin Gothic Book" pitchFamily="34" charset="0"/>
-              </a:defRPr>
-            </a:lvl7pPr>
-            <a:lvl8pPr marL="3352800" indent="-314325" algn="l" rtl="0" fontAlgn="base">
-              <a:lnSpc>
-                <a:spcPct val="90000"/>
-              </a:lnSpc>
-              <a:spcBef>
-                <a:spcPct val="25000"/>
-              </a:spcBef>
-              <a:spcAft>
-                <a:spcPct val="0"/>
-              </a:spcAft>
-              <a:buClr>
-                <a:schemeClr val="tx2"/>
-              </a:buClr>
-              <a:buSzPct val="65000"/>
-              <a:buFont typeface="Wingdings" pitchFamily="2" charset="2"/>
-              <a:buChar char="l"/>
-              <a:defRPr sz="2800" b="1">
-                <a:solidFill>
-                  <a:schemeClr val="tx1"/>
-                </a:solidFill>
-                <a:effectLst>
-                  <a:outerShdw blurRad="38100" dist="38100" dir="2700000" algn="tl">
-                    <a:srgbClr val="000000"/>
-                  </a:outerShdw>
-                </a:effectLst>
-                <a:latin typeface="Franklin Gothic Book" pitchFamily="34" charset="0"/>
-              </a:defRPr>
-            </a:lvl8pPr>
-            <a:lvl9pPr marL="3810000" indent="-314325" algn="l" rtl="0" fontAlgn="base">
-              <a:lnSpc>
-                <a:spcPct val="90000"/>
-              </a:lnSpc>
-              <a:spcBef>
-                <a:spcPct val="25000"/>
-              </a:spcBef>
-              <a:spcAft>
-                <a:spcPct val="0"/>
-              </a:spcAft>
-              <a:buClr>
-                <a:schemeClr val="tx2"/>
-              </a:buClr>
-              <a:buSzPct val="65000"/>
-              <a:buFont typeface="Wingdings" pitchFamily="2" charset="2"/>
-              <a:buChar char="l"/>
-              <a:defRPr sz="2800" b="1">
-                <a:solidFill>
-                  <a:schemeClr val="tx1"/>
-                </a:solidFill>
-                <a:effectLst>
-                  <a:outerShdw blurRad="38100" dist="38100" dir="2700000" algn="tl">
-                    <a:srgbClr val="000000"/>
-                  </a:outerShdw>
-                </a:effectLst>
-                <a:latin typeface="Franklin Gothic Book" pitchFamily="34" charset="0"/>
-              </a:defRPr>
-            </a:lvl9pPr>
-          </a:lstStyle>
-          <a:p>
-            <a:pPr marL="0" indent="0">
-              <a:buFont typeface="Wingdings" pitchFamily="2" charset="2"/>
-              <a:buNone/>
-              <a:defRPr/>
-            </a:pPr>
-            <a:r>
-              <a:rPr lang="es-AR" sz="2400" dirty="0" err="1">
-                <a:solidFill>
-                  <a:srgbClr val="0000FF"/>
-                </a:solidFill>
-                <a:effectLst/>
-                <a:highlight>
-                  <a:srgbClr val="FFFFFF"/>
-                </a:highlight>
-                <a:latin typeface="Consolas" panose="020B0609020204030204" pitchFamily="49" charset="0"/>
-              </a:rPr>
-              <a:t>private</a:t>
-            </a:r>
-            <a:r>
-              <a:rPr lang="es-AR" sz="2400" dirty="0">
-                <a:solidFill>
-                  <a:srgbClr val="000000"/>
-                </a:solidFill>
-                <a:effectLst/>
-                <a:highlight>
-                  <a:srgbClr val="FFFFFF"/>
-                </a:highlight>
-                <a:latin typeface="Consolas" panose="020B0609020204030204" pitchFamily="49" charset="0"/>
-              </a:rPr>
-              <a:t> </a:t>
-            </a:r>
-            <a:r>
-              <a:rPr lang="es-AR" sz="2400" dirty="0" err="1">
-                <a:solidFill>
-                  <a:srgbClr val="0000FF"/>
-                </a:solidFill>
-                <a:effectLst/>
-                <a:highlight>
-                  <a:srgbClr val="FFFFFF"/>
-                </a:highlight>
-                <a:latin typeface="Consolas" panose="020B0609020204030204" pitchFamily="49" charset="0"/>
-              </a:rPr>
-              <a:t>void</a:t>
-            </a:r>
-            <a:r>
-              <a:rPr lang="es-AR" sz="2400" dirty="0">
-                <a:solidFill>
-                  <a:srgbClr val="000000"/>
-                </a:solidFill>
-                <a:effectLst/>
-                <a:highlight>
-                  <a:srgbClr val="FFFFFF"/>
-                </a:highlight>
-                <a:latin typeface="Consolas" panose="020B0609020204030204" pitchFamily="49" charset="0"/>
-              </a:rPr>
-              <a:t> </a:t>
-            </a:r>
-            <a:r>
-              <a:rPr lang="es-AR" sz="2400" dirty="0" err="1">
-                <a:solidFill>
-                  <a:srgbClr val="000000"/>
-                </a:solidFill>
-                <a:effectLst/>
-                <a:highlight>
-                  <a:srgbClr val="FFFFFF"/>
-                </a:highlight>
-                <a:latin typeface="Consolas" panose="020B0609020204030204" pitchFamily="49" charset="0"/>
-              </a:rPr>
-              <a:t>Metodo</a:t>
-            </a:r>
-            <a:r>
-              <a:rPr lang="es-AR" sz="2400" dirty="0">
-                <a:solidFill>
-                  <a:srgbClr val="000000"/>
-                </a:solidFill>
-                <a:effectLst/>
-                <a:highlight>
-                  <a:srgbClr val="FFFFFF"/>
-                </a:highlight>
-                <a:latin typeface="Consolas" panose="020B0609020204030204" pitchFamily="49" charset="0"/>
-              </a:rPr>
-              <a:t>(</a:t>
-            </a:r>
-            <a:r>
-              <a:rPr lang="es-AR" sz="2400" dirty="0" err="1">
-                <a:solidFill>
-                  <a:srgbClr val="0000FF"/>
-                </a:solidFill>
-                <a:effectLst/>
-                <a:highlight>
-                  <a:srgbClr val="FFFFFF"/>
-                </a:highlight>
-                <a:latin typeface="Consolas" panose="020B0609020204030204" pitchFamily="49" charset="0"/>
-              </a:rPr>
-              <a:t>object</a:t>
-            </a:r>
-            <a:r>
-              <a:rPr lang="es-AR" sz="2400" dirty="0">
-                <a:solidFill>
-                  <a:srgbClr val="000000"/>
-                </a:solidFill>
-                <a:effectLst/>
-                <a:highlight>
-                  <a:srgbClr val="FFFFFF"/>
-                </a:highlight>
-                <a:latin typeface="Consolas" panose="020B0609020204030204" pitchFamily="49" charset="0"/>
-              </a:rPr>
-              <a:t> o)</a:t>
-            </a:r>
-          </a:p>
-          <a:p>
-            <a:pPr marL="0" indent="0">
-              <a:buFont typeface="Wingdings" pitchFamily="2" charset="2"/>
-              <a:buNone/>
-              <a:defRPr/>
-            </a:pPr>
-            <a:r>
-              <a:rPr lang="es-AR" sz="2400" dirty="0" smtClean="0">
-                <a:solidFill>
-                  <a:srgbClr val="000000"/>
-                </a:solidFill>
-                <a:effectLst/>
-                <a:highlight>
-                  <a:srgbClr val="FFFFFF"/>
-                </a:highlight>
-                <a:latin typeface="Consolas" panose="020B0609020204030204" pitchFamily="49" charset="0"/>
-              </a:rPr>
-              <a:t>{</a:t>
-            </a:r>
-            <a:endParaRPr lang="es-AR" sz="2400" dirty="0">
-              <a:solidFill>
-                <a:srgbClr val="000000"/>
-              </a:solidFill>
-              <a:effectLst/>
-              <a:highlight>
-                <a:srgbClr val="FFFFFF"/>
-              </a:highlight>
-              <a:latin typeface="Consolas" panose="020B0609020204030204" pitchFamily="49" charset="0"/>
-            </a:endParaRPr>
-          </a:p>
-          <a:p>
-            <a:pPr marL="0" indent="0">
-              <a:buFont typeface="Wingdings" pitchFamily="2" charset="2"/>
-              <a:buNone/>
-              <a:defRPr/>
-            </a:pPr>
-            <a:r>
-              <a:rPr lang="es-AR" sz="2400" dirty="0" smtClean="0">
-                <a:solidFill>
-                  <a:srgbClr val="2B91AF"/>
-                </a:solidFill>
-                <a:effectLst/>
-                <a:highlight>
-                  <a:srgbClr val="FFFFFF"/>
-                </a:highlight>
-                <a:latin typeface="Consolas" panose="020B0609020204030204" pitchFamily="49" charset="0"/>
-              </a:rPr>
-              <a:t>      </a:t>
-            </a:r>
-            <a:r>
-              <a:rPr lang="es-AR" sz="2400" dirty="0" err="1" smtClean="0">
-                <a:solidFill>
-                  <a:srgbClr val="2B91AF"/>
-                </a:solidFill>
-                <a:effectLst/>
-                <a:highlight>
-                  <a:srgbClr val="FFFFFF"/>
-                </a:highlight>
-                <a:latin typeface="Consolas" panose="020B0609020204030204" pitchFamily="49" charset="0"/>
-              </a:rPr>
-              <a:t>Console</a:t>
-            </a:r>
-            <a:r>
-              <a:rPr lang="es-AR" sz="2400" dirty="0" err="1" smtClean="0">
-                <a:solidFill>
-                  <a:srgbClr val="000000"/>
-                </a:solidFill>
-                <a:effectLst/>
-                <a:highlight>
-                  <a:srgbClr val="FFFFFF"/>
-                </a:highlight>
-                <a:latin typeface="Consolas" panose="020B0609020204030204" pitchFamily="49" charset="0"/>
-              </a:rPr>
-              <a:t>.WriteLine</a:t>
-            </a:r>
-            <a:r>
-              <a:rPr lang="es-AR" sz="2400" dirty="0">
-                <a:solidFill>
-                  <a:srgbClr val="000000"/>
-                </a:solidFill>
-                <a:effectLst/>
-                <a:highlight>
-                  <a:srgbClr val="FFFFFF"/>
-                </a:highlight>
-                <a:latin typeface="Consolas" panose="020B0609020204030204" pitchFamily="49" charset="0"/>
-              </a:rPr>
-              <a:t>((</a:t>
-            </a:r>
-            <a:r>
-              <a:rPr lang="es-AR" sz="2400" dirty="0" err="1">
-                <a:solidFill>
-                  <a:srgbClr val="0000FF"/>
-                </a:solidFill>
-                <a:effectLst/>
-                <a:highlight>
-                  <a:srgbClr val="FFFFFF"/>
-                </a:highlight>
-                <a:latin typeface="Consolas" panose="020B0609020204030204" pitchFamily="49" charset="0"/>
-              </a:rPr>
-              <a:t>int</a:t>
-            </a:r>
-            <a:r>
-              <a:rPr lang="es-AR" sz="2400" dirty="0">
-                <a:solidFill>
-                  <a:srgbClr val="000000"/>
-                </a:solidFill>
-                <a:effectLst/>
-                <a:highlight>
-                  <a:srgbClr val="FFFFFF"/>
-                </a:highlight>
-                <a:latin typeface="Consolas" panose="020B0609020204030204" pitchFamily="49" charset="0"/>
-              </a:rPr>
-              <a:t>)o);</a:t>
-            </a:r>
-          </a:p>
-          <a:p>
-            <a:pPr marL="0" indent="0">
-              <a:buFont typeface="Wingdings" pitchFamily="2" charset="2"/>
-              <a:buNone/>
-              <a:defRPr/>
-            </a:pPr>
-            <a:r>
-              <a:rPr lang="es-AR" sz="2400" dirty="0" smtClean="0">
-                <a:solidFill>
-                  <a:srgbClr val="000000"/>
-                </a:solidFill>
-                <a:effectLst/>
-                <a:highlight>
-                  <a:srgbClr val="FFFFFF"/>
-                </a:highlight>
-                <a:latin typeface="Consolas" panose="020B0609020204030204" pitchFamily="49" charset="0"/>
-              </a:rPr>
-              <a:t>}</a:t>
-            </a:r>
-            <a:endParaRPr lang="es-ES" sz="2400" kern="0" dirty="0" smtClean="0">
-              <a:solidFill>
-                <a:schemeClr val="bg2"/>
-              </a:solidFill>
-              <a:effectLst/>
+                <a:latin typeface="Franklin Gothic Medium" panose="020B0603020102020204" pitchFamily="34" charset="0"/>
+              </a:rPr>
+              <a:t> de dicho hilo.</a:t>
+            </a:r>
+            <a:endParaRPr lang="es-AR" dirty="0">
+              <a:effectLst>
+                <a:outerShdw blurRad="38100" dist="38100" dir="2700000" algn="tl">
+                  <a:srgbClr val="000000">
+                    <a:alpha val="43137"/>
+                  </a:srgbClr>
+                </a:outerShdw>
+              </a:effectLst>
+              <a:latin typeface="Franklin Gothic Medium" panose="020B0603020102020204" pitchFamily="34" charset="0"/>
             </a:endParaRPr>
           </a:p>
         </p:txBody>
@@ -10485,7 +10624,7 @@
     </p:spTree>
     <p:extLst>
       <p:ext uri="{BB962C8B-B14F-4D97-AF65-F5344CB8AC3E}">
-        <p14:creationId xmlns:p14="http://schemas.microsoft.com/office/powerpoint/2010/main" val="2279750851"/>
+        <p14:creationId xmlns:p14="http://schemas.microsoft.com/office/powerpoint/2010/main" val="1175498192"/>
       </p:ext>
     </p:extLst>
   </p:cSld>
@@ -10536,11 +10675,7 @@
           <a:p>
             <a:r>
               <a:rPr lang="es-AR" dirty="0" smtClean="0"/>
-              <a:t>Ejemplo con controles de </a:t>
-            </a:r>
-            <a:r>
-              <a:rPr lang="es-AR" dirty="0" err="1" smtClean="0"/>
-              <a:t>Form</a:t>
+              <a:t>Ejemplo con parámetros</a:t>
             </a:r>
             <a:endParaRPr lang="es-AR" dirty="0"/>
           </a:p>
@@ -10556,8 +10691,8 @@
         </p:nvSpPr>
         <p:spPr>
           <a:xfrm>
-            <a:off x="680321" y="2150772"/>
-            <a:ext cx="8393113" cy="4266321"/>
+            <a:off x="680321" y="2189722"/>
+            <a:ext cx="8763000" cy="2395157"/>
           </a:xfrm>
           <a:prstGeom prst="rect">
             <a:avLst/>
@@ -10744,6 +10879,1397 @@
           </a:lstStyle>
           <a:p>
             <a:pPr marL="0" indent="0">
+              <a:lnSpc>
+                <a:spcPct val="100000"/>
+              </a:lnSpc>
+              <a:buFont typeface="Wingdings" pitchFamily="2" charset="2"/>
+              <a:buNone/>
+              <a:defRPr/>
+            </a:pPr>
+            <a:r>
+              <a:rPr lang="es-AR" dirty="0" smtClean="0">
+                <a:solidFill>
+                  <a:srgbClr val="008000"/>
+                </a:solidFill>
+                <a:highlight>
+                  <a:srgbClr val="FFFFFF"/>
+                </a:highlight>
+                <a:latin typeface="Consolas" panose="020B0609020204030204" pitchFamily="49" charset="0"/>
+              </a:rPr>
+              <a:t>// </a:t>
+            </a:r>
+            <a:r>
+              <a:rPr lang="es-AR" dirty="0" smtClean="0">
+                <a:solidFill>
+                  <a:srgbClr val="008000"/>
+                </a:solidFill>
+                <a:highlight>
+                  <a:srgbClr val="FFFFFF"/>
+                </a:highlight>
+                <a:latin typeface="Consolas" panose="020B0609020204030204" pitchFamily="49" charset="0"/>
+              </a:rPr>
+              <a:t>Creo el hilo</a:t>
+            </a:r>
+            <a:endParaRPr lang="es-AR" dirty="0" smtClean="0">
+              <a:solidFill>
+                <a:srgbClr val="000000"/>
+              </a:solidFill>
+              <a:highlight>
+                <a:srgbClr val="FFFFFF"/>
+              </a:highlight>
+              <a:latin typeface="Consolas" panose="020B0609020204030204" pitchFamily="49" charset="0"/>
+            </a:endParaRPr>
+          </a:p>
+          <a:p>
+            <a:pPr marL="0" indent="0">
+              <a:lnSpc>
+                <a:spcPct val="100000"/>
+              </a:lnSpc>
+              <a:buFont typeface="Wingdings" pitchFamily="2" charset="2"/>
+              <a:buNone/>
+              <a:defRPr/>
+            </a:pPr>
+            <a:r>
+              <a:rPr lang="en-US" dirty="0" smtClean="0">
+                <a:solidFill>
+                  <a:srgbClr val="2B91AF"/>
+                </a:solidFill>
+                <a:highlight>
+                  <a:srgbClr val="FFFFFF"/>
+                </a:highlight>
+                <a:latin typeface="Consolas" panose="020B0609020204030204" pitchFamily="49" charset="0"/>
+              </a:rPr>
+              <a:t>Thread</a:t>
+            </a:r>
+            <a:r>
+              <a:rPr lang="en-US" dirty="0" smtClean="0">
+                <a:solidFill>
+                  <a:srgbClr val="000000"/>
+                </a:solidFill>
+                <a:highlight>
+                  <a:srgbClr val="FFFFFF"/>
+                </a:highlight>
+                <a:latin typeface="Consolas" panose="020B0609020204030204" pitchFamily="49" charset="0"/>
+              </a:rPr>
+              <a:t> t = </a:t>
+            </a:r>
+            <a:r>
+              <a:rPr lang="en-US" dirty="0" smtClean="0">
+                <a:solidFill>
+                  <a:srgbClr val="0000FF"/>
+                </a:solidFill>
+                <a:highlight>
+                  <a:srgbClr val="FFFFFF"/>
+                </a:highlight>
+                <a:latin typeface="Consolas" panose="020B0609020204030204" pitchFamily="49" charset="0"/>
+              </a:rPr>
+              <a:t>new</a:t>
+            </a:r>
+            <a:r>
+              <a:rPr lang="en-US" dirty="0" smtClean="0">
+                <a:solidFill>
+                  <a:srgbClr val="000000"/>
+                </a:solidFill>
+                <a:highlight>
+                  <a:srgbClr val="FFFFFF"/>
+                </a:highlight>
+                <a:latin typeface="Consolas" panose="020B0609020204030204" pitchFamily="49" charset="0"/>
+              </a:rPr>
+              <a:t> </a:t>
+            </a:r>
+            <a:r>
+              <a:rPr lang="en-US" dirty="0" smtClean="0">
+                <a:solidFill>
+                  <a:srgbClr val="2B91AF"/>
+                </a:solidFill>
+                <a:highlight>
+                  <a:srgbClr val="FFFFFF"/>
+                </a:highlight>
+                <a:latin typeface="Consolas" panose="020B0609020204030204" pitchFamily="49" charset="0"/>
+              </a:rPr>
+              <a:t>Thread</a:t>
+            </a:r>
+            <a:r>
+              <a:rPr lang="en-US" dirty="0" smtClean="0">
+                <a:solidFill>
+                  <a:srgbClr val="000000"/>
+                </a:solidFill>
+                <a:highlight>
+                  <a:srgbClr val="FFFFFF"/>
+                </a:highlight>
+                <a:latin typeface="Consolas" panose="020B0609020204030204" pitchFamily="49" charset="0"/>
+              </a:rPr>
+              <a:t>(</a:t>
+            </a:r>
+            <a:r>
+              <a:rPr lang="en-US" dirty="0" smtClean="0">
+                <a:solidFill>
+                  <a:srgbClr val="0000FF"/>
+                </a:solidFill>
+                <a:highlight>
+                  <a:srgbClr val="FFFFFF"/>
+                </a:highlight>
+                <a:latin typeface="Consolas" panose="020B0609020204030204" pitchFamily="49" charset="0"/>
+              </a:rPr>
+              <a:t>new</a:t>
+            </a:r>
+            <a:r>
+              <a:rPr lang="en-US" dirty="0" smtClean="0">
+                <a:solidFill>
+                  <a:srgbClr val="000000"/>
+                </a:solidFill>
+                <a:highlight>
+                  <a:srgbClr val="FFFFFF"/>
+                </a:highlight>
+                <a:latin typeface="Consolas" panose="020B0609020204030204" pitchFamily="49" charset="0"/>
+              </a:rPr>
+              <a:t> </a:t>
+            </a:r>
+            <a:r>
+              <a:rPr lang="en-US" dirty="0" err="1" smtClean="0">
+                <a:solidFill>
+                  <a:srgbClr val="2B91AF"/>
+                </a:solidFill>
+                <a:highlight>
+                  <a:srgbClr val="FFFFFF"/>
+                </a:highlight>
+                <a:latin typeface="Consolas" panose="020B0609020204030204" pitchFamily="49" charset="0"/>
+              </a:rPr>
+              <a:t>ParameterizedThreadStart</a:t>
+            </a:r>
+            <a:r>
+              <a:rPr lang="en-US" dirty="0" smtClean="0">
+                <a:solidFill>
+                  <a:srgbClr val="000000"/>
+                </a:solidFill>
+                <a:highlight>
+                  <a:srgbClr val="FFFFFF"/>
+                </a:highlight>
+                <a:latin typeface="Consolas" panose="020B0609020204030204" pitchFamily="49" charset="0"/>
+              </a:rPr>
+              <a:t>(</a:t>
+            </a:r>
+            <a:r>
+              <a:rPr lang="en-US" dirty="0" err="1" smtClean="0">
+                <a:solidFill>
+                  <a:srgbClr val="000000"/>
+                </a:solidFill>
+                <a:highlight>
+                  <a:srgbClr val="FFFFFF"/>
+                </a:highlight>
+                <a:latin typeface="Consolas" panose="020B0609020204030204" pitchFamily="49" charset="0"/>
+              </a:rPr>
+              <a:t>Metodo</a:t>
+            </a:r>
+            <a:r>
+              <a:rPr lang="en-US" dirty="0" smtClean="0">
+                <a:solidFill>
+                  <a:srgbClr val="000000"/>
+                </a:solidFill>
+                <a:highlight>
+                  <a:srgbClr val="FFFFFF"/>
+                </a:highlight>
+                <a:latin typeface="Consolas" panose="020B0609020204030204" pitchFamily="49" charset="0"/>
+              </a:rPr>
+              <a:t>));</a:t>
+            </a:r>
+          </a:p>
+          <a:p>
+            <a:pPr marL="0" indent="0">
+              <a:lnSpc>
+                <a:spcPct val="100000"/>
+              </a:lnSpc>
+              <a:buFont typeface="Wingdings" pitchFamily="2" charset="2"/>
+              <a:buNone/>
+              <a:defRPr/>
+            </a:pPr>
+            <a:r>
+              <a:rPr lang="es-AR" dirty="0" smtClean="0">
+                <a:solidFill>
+                  <a:srgbClr val="008000"/>
+                </a:solidFill>
+                <a:highlight>
+                  <a:srgbClr val="FFFFFF"/>
+                </a:highlight>
+                <a:latin typeface="Consolas" panose="020B0609020204030204" pitchFamily="49" charset="0"/>
+              </a:rPr>
+              <a:t>// Inicio el Hilo, indicando el parámetro</a:t>
+            </a:r>
+            <a:endParaRPr lang="es-AR" dirty="0" smtClean="0">
+              <a:solidFill>
+                <a:srgbClr val="000000"/>
+              </a:solidFill>
+              <a:highlight>
+                <a:srgbClr val="FFFFFF"/>
+              </a:highlight>
+              <a:latin typeface="Consolas" panose="020B0609020204030204" pitchFamily="49" charset="0"/>
+            </a:endParaRPr>
+          </a:p>
+          <a:p>
+            <a:pPr marL="0" indent="0">
+              <a:lnSpc>
+                <a:spcPct val="100000"/>
+              </a:lnSpc>
+              <a:buFont typeface="Wingdings" pitchFamily="2" charset="2"/>
+              <a:buNone/>
+              <a:defRPr/>
+            </a:pPr>
+            <a:r>
+              <a:rPr lang="es-AR" dirty="0" err="1" smtClean="0">
+                <a:solidFill>
+                  <a:srgbClr val="000000"/>
+                </a:solidFill>
+                <a:highlight>
+                  <a:srgbClr val="FFFFFF"/>
+                </a:highlight>
+                <a:latin typeface="Consolas" panose="020B0609020204030204" pitchFamily="49" charset="0"/>
+              </a:rPr>
+              <a:t>t.Start</a:t>
+            </a:r>
+            <a:r>
+              <a:rPr lang="es-AR" dirty="0" smtClean="0">
+                <a:solidFill>
+                  <a:srgbClr val="000000"/>
+                </a:solidFill>
+                <a:highlight>
+                  <a:srgbClr val="FFFFFF"/>
+                </a:highlight>
+                <a:latin typeface="Consolas" panose="020B0609020204030204" pitchFamily="49" charset="0"/>
+              </a:rPr>
+              <a:t>(1000);</a:t>
+            </a:r>
+          </a:p>
+        </p:txBody>
+      </p:sp>
+      <p:sp>
+        <p:nvSpPr>
+          <p:cNvPr id="5" name="Rectangle 3"/>
+          <p:cNvSpPr txBox="1">
+            <a:spLocks noChangeArrowheads="1"/>
+          </p:cNvSpPr>
+          <p:nvPr/>
+        </p:nvSpPr>
+        <p:spPr bwMode="auto">
+          <a:xfrm>
+            <a:off x="680321" y="4853501"/>
+            <a:ext cx="8763000" cy="1846659"/>
+          </a:xfrm>
+          <a:prstGeom prst="rect">
+            <a:avLst/>
+          </a:prstGeom>
+          <a:solidFill>
+            <a:schemeClr val="tx1"/>
+          </a:solidFill>
+          <a:ln w="9525">
+            <a:solidFill>
+              <a:schemeClr val="bg1">
+                <a:lumMod val="40000"/>
+                <a:lumOff val="60000"/>
+              </a:schemeClr>
+            </a:solidFill>
+            <a:miter lim="800000"/>
+            <a:headEnd/>
+            <a:tailEnd/>
+          </a:ln>
+          <a:effectLst/>
+        </p:spPr>
+        <p:txBody>
+          <a:bodyPr>
+            <a:spAutoFit/>
+          </a:bodyPr>
+          <a:lstStyle>
+            <a:lvl1pPr marL="558800" indent="-558800" algn="l" rtl="0" eaLnBrk="0" fontAlgn="base" hangingPunct="0">
+              <a:lnSpc>
+                <a:spcPct val="90000"/>
+              </a:lnSpc>
+              <a:spcBef>
+                <a:spcPct val="25000"/>
+              </a:spcBef>
+              <a:spcAft>
+                <a:spcPct val="0"/>
+              </a:spcAft>
+              <a:buClr>
+                <a:schemeClr val="tx2"/>
+              </a:buClr>
+              <a:buSzPct val="75000"/>
+              <a:buFont typeface="Wingdings" pitchFamily="2" charset="2"/>
+              <a:buBlip>
+                <a:blip r:embed="rId2"/>
+              </a:buBlip>
+              <a:defRPr sz="3200">
+                <a:solidFill>
+                  <a:schemeClr val="tx1"/>
+                </a:solidFill>
+                <a:effectLst>
+                  <a:outerShdw blurRad="38100" dist="38100" dir="2700000" algn="tl">
+                    <a:srgbClr val="000000"/>
+                  </a:outerShdw>
+                </a:effectLst>
+                <a:latin typeface="+mn-lt"/>
+                <a:ea typeface="+mn-ea"/>
+                <a:cs typeface="+mn-cs"/>
+              </a:defRPr>
+            </a:lvl1pPr>
+            <a:lvl2pPr marL="977900" indent="-417513" algn="l" rtl="0" eaLnBrk="0" fontAlgn="base" hangingPunct="0">
+              <a:lnSpc>
+                <a:spcPct val="90000"/>
+              </a:lnSpc>
+              <a:spcBef>
+                <a:spcPct val="25000"/>
+              </a:spcBef>
+              <a:spcAft>
+                <a:spcPct val="0"/>
+              </a:spcAft>
+              <a:buClr>
+                <a:schemeClr val="tx2"/>
+              </a:buClr>
+              <a:buSzPct val="60000"/>
+              <a:buFont typeface="Wingdings" pitchFamily="2" charset="2"/>
+              <a:buChar char="l"/>
+              <a:defRPr sz="2800">
+                <a:solidFill>
+                  <a:schemeClr val="tx1"/>
+                </a:solidFill>
+                <a:effectLst>
+                  <a:outerShdw blurRad="38100" dist="38100" dir="2700000" algn="tl">
+                    <a:srgbClr val="000000"/>
+                  </a:outerShdw>
+                </a:effectLst>
+                <a:latin typeface="+mn-lt"/>
+              </a:defRPr>
+            </a:lvl2pPr>
+            <a:lvl3pPr marL="1333500" indent="-354013" algn="l" rtl="0" eaLnBrk="0" fontAlgn="base" hangingPunct="0">
+              <a:lnSpc>
+                <a:spcPct val="90000"/>
+              </a:lnSpc>
+              <a:spcBef>
+                <a:spcPct val="25000"/>
+              </a:spcBef>
+              <a:spcAft>
+                <a:spcPct val="0"/>
+              </a:spcAft>
+              <a:buClr>
+                <a:schemeClr val="tx2"/>
+              </a:buClr>
+              <a:buSzPct val="65000"/>
+              <a:buFont typeface="Wingdings" pitchFamily="2" charset="2"/>
+              <a:buChar char="l"/>
+              <a:defRPr sz="2800">
+                <a:solidFill>
+                  <a:schemeClr val="tx1"/>
+                </a:solidFill>
+                <a:effectLst>
+                  <a:outerShdw blurRad="38100" dist="38100" dir="2700000" algn="tl">
+                    <a:srgbClr val="000000"/>
+                  </a:outerShdw>
+                </a:effectLst>
+                <a:latin typeface="+mn-lt"/>
+              </a:defRPr>
+            </a:lvl3pPr>
+            <a:lvl4pPr marL="1665288" indent="-330200" algn="l" rtl="0" eaLnBrk="0" fontAlgn="base" hangingPunct="0">
+              <a:lnSpc>
+                <a:spcPct val="90000"/>
+              </a:lnSpc>
+              <a:spcBef>
+                <a:spcPct val="25000"/>
+              </a:spcBef>
+              <a:spcAft>
+                <a:spcPct val="0"/>
+              </a:spcAft>
+              <a:buClr>
+                <a:schemeClr val="tx2"/>
+              </a:buClr>
+              <a:buSzPct val="65000"/>
+              <a:buFont typeface="Wingdings" pitchFamily="2" charset="2"/>
+              <a:buChar char="l"/>
+              <a:defRPr sz="2800" b="1">
+                <a:solidFill>
+                  <a:schemeClr val="tx1"/>
+                </a:solidFill>
+                <a:effectLst>
+                  <a:outerShdw blurRad="38100" dist="38100" dir="2700000" algn="tl">
+                    <a:srgbClr val="000000"/>
+                  </a:outerShdw>
+                </a:effectLst>
+                <a:latin typeface="Franklin Gothic Book" pitchFamily="34" charset="0"/>
+              </a:defRPr>
+            </a:lvl4pPr>
+            <a:lvl5pPr marL="1981200" indent="-314325" algn="l" rtl="0" eaLnBrk="0" fontAlgn="base" hangingPunct="0">
+              <a:lnSpc>
+                <a:spcPct val="90000"/>
+              </a:lnSpc>
+              <a:spcBef>
+                <a:spcPct val="25000"/>
+              </a:spcBef>
+              <a:spcAft>
+                <a:spcPct val="0"/>
+              </a:spcAft>
+              <a:buClr>
+                <a:schemeClr val="tx2"/>
+              </a:buClr>
+              <a:buSzPct val="65000"/>
+              <a:buFont typeface="Wingdings" pitchFamily="2" charset="2"/>
+              <a:buChar char="l"/>
+              <a:defRPr sz="2800" b="1">
+                <a:solidFill>
+                  <a:schemeClr val="tx1"/>
+                </a:solidFill>
+                <a:effectLst>
+                  <a:outerShdw blurRad="38100" dist="38100" dir="2700000" algn="tl">
+                    <a:srgbClr val="000000"/>
+                  </a:outerShdw>
+                </a:effectLst>
+                <a:latin typeface="Franklin Gothic Book" pitchFamily="34" charset="0"/>
+              </a:defRPr>
+            </a:lvl5pPr>
+            <a:lvl6pPr marL="2438400" indent="-314325" algn="l" rtl="0" fontAlgn="base">
+              <a:lnSpc>
+                <a:spcPct val="90000"/>
+              </a:lnSpc>
+              <a:spcBef>
+                <a:spcPct val="25000"/>
+              </a:spcBef>
+              <a:spcAft>
+                <a:spcPct val="0"/>
+              </a:spcAft>
+              <a:buClr>
+                <a:schemeClr val="tx2"/>
+              </a:buClr>
+              <a:buSzPct val="65000"/>
+              <a:buFont typeface="Wingdings" pitchFamily="2" charset="2"/>
+              <a:buChar char="l"/>
+              <a:defRPr sz="2800" b="1">
+                <a:solidFill>
+                  <a:schemeClr val="tx1"/>
+                </a:solidFill>
+                <a:effectLst>
+                  <a:outerShdw blurRad="38100" dist="38100" dir="2700000" algn="tl">
+                    <a:srgbClr val="000000"/>
+                  </a:outerShdw>
+                </a:effectLst>
+                <a:latin typeface="Franklin Gothic Book" pitchFamily="34" charset="0"/>
+              </a:defRPr>
+            </a:lvl6pPr>
+            <a:lvl7pPr marL="2895600" indent="-314325" algn="l" rtl="0" fontAlgn="base">
+              <a:lnSpc>
+                <a:spcPct val="90000"/>
+              </a:lnSpc>
+              <a:spcBef>
+                <a:spcPct val="25000"/>
+              </a:spcBef>
+              <a:spcAft>
+                <a:spcPct val="0"/>
+              </a:spcAft>
+              <a:buClr>
+                <a:schemeClr val="tx2"/>
+              </a:buClr>
+              <a:buSzPct val="65000"/>
+              <a:buFont typeface="Wingdings" pitchFamily="2" charset="2"/>
+              <a:buChar char="l"/>
+              <a:defRPr sz="2800" b="1">
+                <a:solidFill>
+                  <a:schemeClr val="tx1"/>
+                </a:solidFill>
+                <a:effectLst>
+                  <a:outerShdw blurRad="38100" dist="38100" dir="2700000" algn="tl">
+                    <a:srgbClr val="000000"/>
+                  </a:outerShdw>
+                </a:effectLst>
+                <a:latin typeface="Franklin Gothic Book" pitchFamily="34" charset="0"/>
+              </a:defRPr>
+            </a:lvl7pPr>
+            <a:lvl8pPr marL="3352800" indent="-314325" algn="l" rtl="0" fontAlgn="base">
+              <a:lnSpc>
+                <a:spcPct val="90000"/>
+              </a:lnSpc>
+              <a:spcBef>
+                <a:spcPct val="25000"/>
+              </a:spcBef>
+              <a:spcAft>
+                <a:spcPct val="0"/>
+              </a:spcAft>
+              <a:buClr>
+                <a:schemeClr val="tx2"/>
+              </a:buClr>
+              <a:buSzPct val="65000"/>
+              <a:buFont typeface="Wingdings" pitchFamily="2" charset="2"/>
+              <a:buChar char="l"/>
+              <a:defRPr sz="2800" b="1">
+                <a:solidFill>
+                  <a:schemeClr val="tx1"/>
+                </a:solidFill>
+                <a:effectLst>
+                  <a:outerShdw blurRad="38100" dist="38100" dir="2700000" algn="tl">
+                    <a:srgbClr val="000000"/>
+                  </a:outerShdw>
+                </a:effectLst>
+                <a:latin typeface="Franklin Gothic Book" pitchFamily="34" charset="0"/>
+              </a:defRPr>
+            </a:lvl8pPr>
+            <a:lvl9pPr marL="3810000" indent="-314325" algn="l" rtl="0" fontAlgn="base">
+              <a:lnSpc>
+                <a:spcPct val="90000"/>
+              </a:lnSpc>
+              <a:spcBef>
+                <a:spcPct val="25000"/>
+              </a:spcBef>
+              <a:spcAft>
+                <a:spcPct val="0"/>
+              </a:spcAft>
+              <a:buClr>
+                <a:schemeClr val="tx2"/>
+              </a:buClr>
+              <a:buSzPct val="65000"/>
+              <a:buFont typeface="Wingdings" pitchFamily="2" charset="2"/>
+              <a:buChar char="l"/>
+              <a:defRPr sz="2800" b="1">
+                <a:solidFill>
+                  <a:schemeClr val="tx1"/>
+                </a:solidFill>
+                <a:effectLst>
+                  <a:outerShdw blurRad="38100" dist="38100" dir="2700000" algn="tl">
+                    <a:srgbClr val="000000"/>
+                  </a:outerShdw>
+                </a:effectLst>
+                <a:latin typeface="Franklin Gothic Book" pitchFamily="34" charset="0"/>
+              </a:defRPr>
+            </a:lvl9pPr>
+          </a:lstStyle>
+          <a:p>
+            <a:pPr marL="0" indent="0">
+              <a:lnSpc>
+                <a:spcPct val="100000"/>
+              </a:lnSpc>
+              <a:buFont typeface="Wingdings" pitchFamily="2" charset="2"/>
+              <a:buNone/>
+              <a:defRPr/>
+            </a:pPr>
+            <a:r>
+              <a:rPr lang="es-AR" sz="2400" dirty="0" err="1">
+                <a:solidFill>
+                  <a:srgbClr val="0000FF"/>
+                </a:solidFill>
+                <a:effectLst/>
+                <a:highlight>
+                  <a:srgbClr val="FFFFFF"/>
+                </a:highlight>
+                <a:latin typeface="Consolas" panose="020B0609020204030204" pitchFamily="49" charset="0"/>
+              </a:rPr>
+              <a:t>private</a:t>
+            </a:r>
+            <a:r>
+              <a:rPr lang="es-AR" sz="2400" dirty="0">
+                <a:solidFill>
+                  <a:srgbClr val="000000"/>
+                </a:solidFill>
+                <a:effectLst/>
+                <a:highlight>
+                  <a:srgbClr val="FFFFFF"/>
+                </a:highlight>
+                <a:latin typeface="Consolas" panose="020B0609020204030204" pitchFamily="49" charset="0"/>
+              </a:rPr>
+              <a:t> </a:t>
+            </a:r>
+            <a:r>
+              <a:rPr lang="es-AR" sz="2400" dirty="0" err="1">
+                <a:solidFill>
+                  <a:srgbClr val="0000FF"/>
+                </a:solidFill>
+                <a:effectLst/>
+                <a:highlight>
+                  <a:srgbClr val="FFFFFF"/>
+                </a:highlight>
+                <a:latin typeface="Consolas" panose="020B0609020204030204" pitchFamily="49" charset="0"/>
+              </a:rPr>
+              <a:t>void</a:t>
+            </a:r>
+            <a:r>
+              <a:rPr lang="es-AR" sz="2400" dirty="0">
+                <a:solidFill>
+                  <a:srgbClr val="000000"/>
+                </a:solidFill>
+                <a:effectLst/>
+                <a:highlight>
+                  <a:srgbClr val="FFFFFF"/>
+                </a:highlight>
+                <a:latin typeface="Consolas" panose="020B0609020204030204" pitchFamily="49" charset="0"/>
+              </a:rPr>
+              <a:t> </a:t>
+            </a:r>
+            <a:r>
+              <a:rPr lang="es-AR" sz="2400" dirty="0" err="1">
+                <a:solidFill>
+                  <a:srgbClr val="000000"/>
+                </a:solidFill>
+                <a:effectLst/>
+                <a:highlight>
+                  <a:srgbClr val="FFFFFF"/>
+                </a:highlight>
+                <a:latin typeface="Consolas" panose="020B0609020204030204" pitchFamily="49" charset="0"/>
+              </a:rPr>
+              <a:t>Metodo</a:t>
+            </a:r>
+            <a:r>
+              <a:rPr lang="es-AR" sz="2400" dirty="0">
+                <a:solidFill>
+                  <a:srgbClr val="000000"/>
+                </a:solidFill>
+                <a:effectLst/>
+                <a:highlight>
+                  <a:srgbClr val="FFFFFF"/>
+                </a:highlight>
+                <a:latin typeface="Consolas" panose="020B0609020204030204" pitchFamily="49" charset="0"/>
+              </a:rPr>
+              <a:t>(</a:t>
+            </a:r>
+            <a:r>
+              <a:rPr lang="es-AR" sz="2400" dirty="0" err="1">
+                <a:solidFill>
+                  <a:srgbClr val="0000FF"/>
+                </a:solidFill>
+                <a:effectLst/>
+                <a:highlight>
+                  <a:srgbClr val="FFFFFF"/>
+                </a:highlight>
+                <a:latin typeface="Consolas" panose="020B0609020204030204" pitchFamily="49" charset="0"/>
+              </a:rPr>
+              <a:t>object</a:t>
+            </a:r>
+            <a:r>
+              <a:rPr lang="es-AR" sz="2400" dirty="0">
+                <a:solidFill>
+                  <a:srgbClr val="000000"/>
+                </a:solidFill>
+                <a:effectLst/>
+                <a:highlight>
+                  <a:srgbClr val="FFFFFF"/>
+                </a:highlight>
+                <a:latin typeface="Consolas" panose="020B0609020204030204" pitchFamily="49" charset="0"/>
+              </a:rPr>
+              <a:t> o)</a:t>
+            </a:r>
+          </a:p>
+          <a:p>
+            <a:pPr marL="0" indent="0">
+              <a:lnSpc>
+                <a:spcPct val="100000"/>
+              </a:lnSpc>
+              <a:buFont typeface="Wingdings" pitchFamily="2" charset="2"/>
+              <a:buNone/>
+              <a:defRPr/>
+            </a:pPr>
+            <a:r>
+              <a:rPr lang="es-AR" sz="2400" dirty="0" smtClean="0">
+                <a:solidFill>
+                  <a:srgbClr val="000000"/>
+                </a:solidFill>
+                <a:effectLst/>
+                <a:highlight>
+                  <a:srgbClr val="FFFFFF"/>
+                </a:highlight>
+                <a:latin typeface="Consolas" panose="020B0609020204030204" pitchFamily="49" charset="0"/>
+              </a:rPr>
+              <a:t>{</a:t>
+            </a:r>
+            <a:endParaRPr lang="es-AR" sz="2400" dirty="0">
+              <a:solidFill>
+                <a:srgbClr val="000000"/>
+              </a:solidFill>
+              <a:effectLst/>
+              <a:highlight>
+                <a:srgbClr val="FFFFFF"/>
+              </a:highlight>
+              <a:latin typeface="Consolas" panose="020B0609020204030204" pitchFamily="49" charset="0"/>
+            </a:endParaRPr>
+          </a:p>
+          <a:p>
+            <a:pPr marL="0" indent="0">
+              <a:lnSpc>
+                <a:spcPct val="100000"/>
+              </a:lnSpc>
+              <a:buFont typeface="Wingdings" pitchFamily="2" charset="2"/>
+              <a:buNone/>
+              <a:defRPr/>
+            </a:pPr>
+            <a:r>
+              <a:rPr lang="es-AR" sz="2400" dirty="0" smtClean="0">
+                <a:solidFill>
+                  <a:srgbClr val="2B91AF"/>
+                </a:solidFill>
+                <a:effectLst/>
+                <a:highlight>
+                  <a:srgbClr val="FFFFFF"/>
+                </a:highlight>
+                <a:latin typeface="Consolas" panose="020B0609020204030204" pitchFamily="49" charset="0"/>
+              </a:rPr>
+              <a:t>      </a:t>
+            </a:r>
+            <a:r>
+              <a:rPr lang="es-AR" sz="2400" dirty="0" err="1" smtClean="0">
+                <a:solidFill>
+                  <a:srgbClr val="2B91AF"/>
+                </a:solidFill>
+                <a:effectLst/>
+                <a:highlight>
+                  <a:srgbClr val="FFFFFF"/>
+                </a:highlight>
+                <a:latin typeface="Consolas" panose="020B0609020204030204" pitchFamily="49" charset="0"/>
+              </a:rPr>
+              <a:t>Console</a:t>
+            </a:r>
+            <a:r>
+              <a:rPr lang="es-AR" sz="2400" dirty="0" err="1" smtClean="0">
+                <a:solidFill>
+                  <a:srgbClr val="000000"/>
+                </a:solidFill>
+                <a:effectLst/>
+                <a:highlight>
+                  <a:srgbClr val="FFFFFF"/>
+                </a:highlight>
+                <a:latin typeface="Consolas" panose="020B0609020204030204" pitchFamily="49" charset="0"/>
+              </a:rPr>
+              <a:t>.WriteLine</a:t>
+            </a:r>
+            <a:r>
+              <a:rPr lang="es-AR" sz="2400" dirty="0">
+                <a:solidFill>
+                  <a:srgbClr val="000000"/>
+                </a:solidFill>
+                <a:effectLst/>
+                <a:highlight>
+                  <a:srgbClr val="FFFFFF"/>
+                </a:highlight>
+                <a:latin typeface="Consolas" panose="020B0609020204030204" pitchFamily="49" charset="0"/>
+              </a:rPr>
+              <a:t>((</a:t>
+            </a:r>
+            <a:r>
+              <a:rPr lang="es-AR" sz="2400" dirty="0" err="1">
+                <a:solidFill>
+                  <a:srgbClr val="0000FF"/>
+                </a:solidFill>
+                <a:effectLst/>
+                <a:highlight>
+                  <a:srgbClr val="FFFFFF"/>
+                </a:highlight>
+                <a:latin typeface="Consolas" panose="020B0609020204030204" pitchFamily="49" charset="0"/>
+              </a:rPr>
+              <a:t>int</a:t>
+            </a:r>
+            <a:r>
+              <a:rPr lang="es-AR" sz="2400" dirty="0">
+                <a:solidFill>
+                  <a:srgbClr val="000000"/>
+                </a:solidFill>
+                <a:effectLst/>
+                <a:highlight>
+                  <a:srgbClr val="FFFFFF"/>
+                </a:highlight>
+                <a:latin typeface="Consolas" panose="020B0609020204030204" pitchFamily="49" charset="0"/>
+              </a:rPr>
+              <a:t>)o);</a:t>
+            </a:r>
+          </a:p>
+          <a:p>
+            <a:pPr marL="0" indent="0">
+              <a:lnSpc>
+                <a:spcPct val="100000"/>
+              </a:lnSpc>
+              <a:buFont typeface="Wingdings" pitchFamily="2" charset="2"/>
+              <a:buNone/>
+              <a:defRPr/>
+            </a:pPr>
+            <a:r>
+              <a:rPr lang="es-AR" sz="2400" dirty="0" smtClean="0">
+                <a:solidFill>
+                  <a:srgbClr val="000000"/>
+                </a:solidFill>
+                <a:effectLst/>
+                <a:highlight>
+                  <a:srgbClr val="FFFFFF"/>
+                </a:highlight>
+                <a:latin typeface="Consolas" panose="020B0609020204030204" pitchFamily="49" charset="0"/>
+              </a:rPr>
+              <a:t>}</a:t>
+            </a:r>
+            <a:endParaRPr lang="es-ES" sz="2400" kern="0" dirty="0" smtClean="0">
+              <a:solidFill>
+                <a:schemeClr val="bg2"/>
+              </a:solidFill>
+              <a:effectLst/>
+            </a:endParaRPr>
+          </a:p>
+        </p:txBody>
+      </p:sp>
+    </p:spTree>
+    <p:extLst>
+      <p:ext uri="{BB962C8B-B14F-4D97-AF65-F5344CB8AC3E}">
+        <p14:creationId xmlns:p14="http://schemas.microsoft.com/office/powerpoint/2010/main" val="2279750851"/>
+      </p:ext>
+    </p:extLst>
+  </p:cSld>
+  <p:clrMapOvr>
+    <a:masterClrMapping/>
+  </p:clrMapOvr>
+  <p:timing>
+    <p:tnLst>
+      <p:par>
+        <p:cTn id="1" dur="indefinite" restart="never" nodeType="tmRoot"/>
+      </p:par>
+    </p:tnLst>
+  </p:timing>
+</p:sld>
+</file>
+
+<file path=ppt/slides/slide7.xml><?xml version="1.0" encoding="utf-8"?>
+<p:sld xmlns:a="http://schemas.openxmlformats.org/drawingml/2006/main" xmlns:r="http://schemas.openxmlformats.org/officeDocument/2006/relationships" xmlns:p="http://schemas.openxmlformats.org/presentationml/2006/main">
+  <p:cSld>
+    <p:spTree>
+      <p:nvGrpSpPr>
+        <p:cNvPr id="1" name=""/>
+        <p:cNvGrpSpPr/>
+        <p:nvPr/>
+      </p:nvGrpSpPr>
+      <p:grpSpPr>
+        <a:xfrm>
+          <a:off x="0" y="0"/>
+          <a:ext cx="0" cy="0"/>
+          <a:chOff x="0" y="0"/>
+          <a:chExt cx="0" cy="0"/>
+        </a:xfrm>
+      </p:grpSpPr>
+      <p:sp>
+        <p:nvSpPr>
+          <p:cNvPr id="2" name="Título 1"/>
+          <p:cNvSpPr>
+            <a:spLocks noGrp="1"/>
+          </p:cNvSpPr>
+          <p:nvPr>
+            <p:ph type="title"/>
+          </p:nvPr>
+        </p:nvSpPr>
+        <p:spPr/>
+        <p:txBody>
+          <a:bodyPr/>
+          <a:lstStyle/>
+          <a:p>
+            <a:r>
+              <a:rPr lang="es-AR" dirty="0" smtClean="0"/>
+              <a:t>Hilos y Controles Visuales</a:t>
+            </a:r>
+            <a:endParaRPr lang="es-AR" dirty="0"/>
+          </a:p>
+        </p:txBody>
+      </p:sp>
+      <p:sp>
+        <p:nvSpPr>
+          <p:cNvPr id="3" name="Marcador de contenido 2"/>
+          <p:cNvSpPr>
+            <a:spLocks noGrp="1"/>
+          </p:cNvSpPr>
+          <p:nvPr>
+            <p:ph idx="1"/>
+          </p:nvPr>
+        </p:nvSpPr>
+        <p:spPr>
+          <a:xfrm>
+            <a:off x="680321" y="2336872"/>
+            <a:ext cx="9613861" cy="4038169"/>
+          </a:xfrm>
+        </p:spPr>
+        <p:txBody>
+          <a:bodyPr>
+            <a:normAutofit/>
+          </a:bodyPr>
+          <a:lstStyle/>
+          <a:p>
+            <a:pPr>
+              <a:defRPr/>
+            </a:pPr>
+            <a:r>
+              <a:rPr lang="es-AR" dirty="0" smtClean="0">
+                <a:effectLst>
+                  <a:outerShdw blurRad="38100" dist="38100" dir="2700000" algn="tl">
+                    <a:srgbClr val="000000">
+                      <a:alpha val="43137"/>
+                    </a:srgbClr>
+                  </a:outerShdw>
+                </a:effectLst>
+                <a:latin typeface="Franklin Gothic Medium" panose="020B0603020102020204" pitchFamily="34" charset="0"/>
+              </a:rPr>
+              <a:t>Si deseamos modificar un control visual de un formulario (</a:t>
+            </a:r>
+            <a:r>
+              <a:rPr lang="es-AR" dirty="0" err="1" smtClean="0">
+                <a:effectLst>
+                  <a:outerShdw blurRad="38100" dist="38100" dir="2700000" algn="tl">
+                    <a:srgbClr val="000000">
+                      <a:alpha val="43137"/>
+                    </a:srgbClr>
+                  </a:outerShdw>
+                </a:effectLst>
+                <a:latin typeface="Franklin Gothic Medium" panose="020B0603020102020204" pitchFamily="34" charset="0"/>
+              </a:rPr>
+              <a:t>TextBox</a:t>
+            </a:r>
+            <a:r>
+              <a:rPr lang="es-AR" dirty="0" smtClean="0">
+                <a:effectLst>
+                  <a:outerShdw blurRad="38100" dist="38100" dir="2700000" algn="tl">
+                    <a:srgbClr val="000000">
+                      <a:alpha val="43137"/>
+                    </a:srgbClr>
+                  </a:outerShdw>
+                </a:effectLst>
+                <a:latin typeface="Franklin Gothic Medium" panose="020B0603020102020204" pitchFamily="34" charset="0"/>
+              </a:rPr>
+              <a:t>, </a:t>
+            </a:r>
+            <a:r>
+              <a:rPr lang="es-AR" dirty="0" err="1" smtClean="0">
+                <a:effectLst>
+                  <a:outerShdw blurRad="38100" dist="38100" dir="2700000" algn="tl">
+                    <a:srgbClr val="000000">
+                      <a:alpha val="43137"/>
+                    </a:srgbClr>
+                  </a:outerShdw>
+                </a:effectLst>
+                <a:latin typeface="Franklin Gothic Medium" panose="020B0603020102020204" pitchFamily="34" charset="0"/>
+              </a:rPr>
+              <a:t>ComboBox</a:t>
+            </a:r>
+            <a:r>
+              <a:rPr lang="es-AR" dirty="0" smtClean="0">
+                <a:effectLst>
+                  <a:outerShdw blurRad="38100" dist="38100" dir="2700000" algn="tl">
+                    <a:srgbClr val="000000">
+                      <a:alpha val="43137"/>
+                    </a:srgbClr>
+                  </a:outerShdw>
+                </a:effectLst>
+                <a:latin typeface="Franklin Gothic Medium" panose="020B0603020102020204" pitchFamily="34" charset="0"/>
+              </a:rPr>
+              <a:t>, </a:t>
+            </a:r>
+            <a:r>
+              <a:rPr lang="es-AR" dirty="0" err="1" smtClean="0">
+                <a:effectLst>
+                  <a:outerShdw blurRad="38100" dist="38100" dir="2700000" algn="tl">
+                    <a:srgbClr val="000000">
+                      <a:alpha val="43137"/>
+                    </a:srgbClr>
+                  </a:outerShdw>
+                </a:effectLst>
+                <a:latin typeface="Franklin Gothic Medium" panose="020B0603020102020204" pitchFamily="34" charset="0"/>
+              </a:rPr>
+              <a:t>Label</a:t>
+            </a:r>
+            <a:r>
+              <a:rPr lang="es-AR" dirty="0" smtClean="0">
+                <a:effectLst>
+                  <a:outerShdw blurRad="38100" dist="38100" dir="2700000" algn="tl">
+                    <a:srgbClr val="000000">
+                      <a:alpha val="43137"/>
+                    </a:srgbClr>
+                  </a:outerShdw>
+                </a:effectLst>
+                <a:latin typeface="Franklin Gothic Medium" panose="020B0603020102020204" pitchFamily="34" charset="0"/>
+              </a:rPr>
+              <a:t>, etc.) desde un hilo diferente al principal (“dueño” de estos controles) deberemos invocar a dicho hilo.</a:t>
+            </a:r>
+          </a:p>
+          <a:p>
+            <a:pPr>
+              <a:defRPr/>
+            </a:pPr>
+            <a:endParaRPr lang="es-AR" dirty="0">
+              <a:effectLst>
+                <a:outerShdw blurRad="38100" dist="38100" dir="2700000" algn="tl">
+                  <a:srgbClr val="000000">
+                    <a:alpha val="43137"/>
+                  </a:srgbClr>
+                </a:outerShdw>
+              </a:effectLst>
+              <a:latin typeface="Franklin Gothic Medium" panose="020B0603020102020204" pitchFamily="34" charset="0"/>
+            </a:endParaRPr>
+          </a:p>
+          <a:p>
+            <a:pPr>
+              <a:defRPr/>
+            </a:pPr>
+            <a:r>
+              <a:rPr lang="es-AR" dirty="0" smtClean="0">
+                <a:effectLst>
+                  <a:outerShdw blurRad="38100" dist="38100" dir="2700000" algn="tl">
+                    <a:srgbClr val="000000">
+                      <a:alpha val="43137"/>
+                    </a:srgbClr>
+                  </a:outerShdw>
+                </a:effectLst>
+                <a:latin typeface="Franklin Gothic Medium" panose="020B0603020102020204" pitchFamily="34" charset="0"/>
+              </a:rPr>
+              <a:t>Para esto le consultaremos al control si necesita ser invocado el hilo principal (</a:t>
+            </a:r>
+            <a:r>
+              <a:rPr lang="es-AR" dirty="0" err="1" smtClean="0">
+                <a:effectLst>
+                  <a:outerShdw blurRad="38100" dist="38100" dir="2700000" algn="tl">
+                    <a:srgbClr val="000000">
+                      <a:alpha val="43137"/>
+                    </a:srgbClr>
+                  </a:outerShdw>
+                </a:effectLst>
+                <a:latin typeface="Franklin Gothic Medium" panose="020B0603020102020204" pitchFamily="34" charset="0"/>
+              </a:rPr>
+              <a:t>InvokeRequired</a:t>
+            </a:r>
+            <a:r>
+              <a:rPr lang="es-AR" dirty="0" smtClean="0">
+                <a:effectLst>
+                  <a:outerShdw blurRad="38100" dist="38100" dir="2700000" algn="tl">
+                    <a:srgbClr val="000000">
+                      <a:alpha val="43137"/>
+                    </a:srgbClr>
+                  </a:outerShdw>
+                </a:effectLst>
+                <a:latin typeface="Franklin Gothic Medium" panose="020B0603020102020204" pitchFamily="34" charset="0"/>
+              </a:rPr>
+              <a:t>).</a:t>
+            </a:r>
+          </a:p>
+          <a:p>
+            <a:pPr>
+              <a:defRPr/>
+            </a:pPr>
+            <a:endParaRPr lang="es-AR" dirty="0">
+              <a:effectLst>
+                <a:outerShdw blurRad="38100" dist="38100" dir="2700000" algn="tl">
+                  <a:srgbClr val="000000">
+                    <a:alpha val="43137"/>
+                  </a:srgbClr>
+                </a:outerShdw>
+              </a:effectLst>
+              <a:latin typeface="Franklin Gothic Medium" panose="020B0603020102020204" pitchFamily="34" charset="0"/>
+            </a:endParaRPr>
+          </a:p>
+          <a:p>
+            <a:pPr>
+              <a:defRPr/>
+            </a:pPr>
+            <a:r>
+              <a:rPr lang="es-AR" dirty="0" smtClean="0">
+                <a:effectLst>
+                  <a:outerShdw blurRad="38100" dist="38100" dir="2700000" algn="tl">
+                    <a:srgbClr val="000000">
+                      <a:alpha val="43137"/>
+                    </a:srgbClr>
+                  </a:outerShdw>
+                </a:effectLst>
+                <a:latin typeface="Franklin Gothic Medium" panose="020B0603020102020204" pitchFamily="34" charset="0"/>
+              </a:rPr>
+              <a:t>Luego invocaremos dicho hilo (</a:t>
+            </a:r>
+            <a:r>
+              <a:rPr lang="es-AR" dirty="0" err="1" smtClean="0">
+                <a:effectLst>
+                  <a:outerShdw blurRad="38100" dist="38100" dir="2700000" algn="tl">
+                    <a:srgbClr val="000000">
+                      <a:alpha val="43137"/>
+                    </a:srgbClr>
+                  </a:outerShdw>
+                </a:effectLst>
+                <a:latin typeface="Franklin Gothic Medium" panose="020B0603020102020204" pitchFamily="34" charset="0"/>
+              </a:rPr>
+              <a:t>BeginInvoke</a:t>
+            </a:r>
+            <a:r>
+              <a:rPr lang="es-AR" dirty="0" smtClean="0">
+                <a:effectLst>
+                  <a:outerShdw blurRad="38100" dist="38100" dir="2700000" algn="tl">
+                    <a:srgbClr val="000000">
+                      <a:alpha val="43137"/>
+                    </a:srgbClr>
+                  </a:outerShdw>
+                </a:effectLst>
+                <a:latin typeface="Franklin Gothic Medium" panose="020B0603020102020204" pitchFamily="34" charset="0"/>
+              </a:rPr>
+              <a:t>) mediante un delegado.</a:t>
+            </a:r>
+            <a:endParaRPr lang="es-AR" dirty="0">
+              <a:effectLst>
+                <a:outerShdw blurRad="38100" dist="38100" dir="2700000" algn="tl">
+                  <a:srgbClr val="000000">
+                    <a:alpha val="43137"/>
+                  </a:srgbClr>
+                </a:outerShdw>
+              </a:effectLst>
+              <a:latin typeface="Franklin Gothic Medium" panose="020B0603020102020204" pitchFamily="34" charset="0"/>
+            </a:endParaRPr>
+          </a:p>
+        </p:txBody>
+      </p:sp>
+    </p:spTree>
+    <p:extLst>
+      <p:ext uri="{BB962C8B-B14F-4D97-AF65-F5344CB8AC3E}">
+        <p14:creationId xmlns:p14="http://schemas.microsoft.com/office/powerpoint/2010/main" val="3821883162"/>
+      </p:ext>
+    </p:extLst>
+  </p:cSld>
+  <p:clrMapOvr>
+    <a:masterClrMapping/>
+  </p:clrMapOvr>
+  <p:timing>
+    <p:tnLst>
+      <p:par>
+        <p:cTn id="1" dur="indefinite" restart="never" nodeType="tmRoot"/>
+      </p:par>
+    </p:tnLst>
+  </p:timing>
+</p:sld>
+</file>
+
+<file path=ppt/slides/slide8.xml><?xml version="1.0" encoding="utf-8"?>
+<p:sld xmlns:a="http://schemas.openxmlformats.org/drawingml/2006/main" xmlns:r="http://schemas.openxmlformats.org/officeDocument/2006/relationships" xmlns:p="http://schemas.openxmlformats.org/presentationml/2006/main">
+  <p:cSld>
+    <p:spTree>
+      <p:nvGrpSpPr>
+        <p:cNvPr id="1" name=""/>
+        <p:cNvGrpSpPr/>
+        <p:nvPr/>
+      </p:nvGrpSpPr>
+      <p:grpSpPr>
+        <a:xfrm>
+          <a:off x="0" y="0"/>
+          <a:ext cx="0" cy="0"/>
+          <a:chOff x="0" y="0"/>
+          <a:chExt cx="0" cy="0"/>
+        </a:xfrm>
+      </p:grpSpPr>
+      <p:sp>
+        <p:nvSpPr>
+          <p:cNvPr id="2" name="Título 1"/>
+          <p:cNvSpPr>
+            <a:spLocks noGrp="1"/>
+          </p:cNvSpPr>
+          <p:nvPr>
+            <p:ph type="title"/>
+          </p:nvPr>
+        </p:nvSpPr>
+        <p:spPr/>
+        <p:txBody>
+          <a:bodyPr/>
+          <a:lstStyle/>
+          <a:p>
+            <a:r>
+              <a:rPr lang="es-AR" dirty="0" smtClean="0"/>
+              <a:t>Ejemplo con controles de </a:t>
+            </a:r>
+            <a:r>
+              <a:rPr lang="es-AR" dirty="0" err="1" smtClean="0"/>
+              <a:t>Form</a:t>
+            </a:r>
+            <a:endParaRPr lang="es-AR" dirty="0"/>
+          </a:p>
+        </p:txBody>
+      </p:sp>
+      <p:sp>
+        <p:nvSpPr>
+          <p:cNvPr id="4" name="Rectangle 3"/>
+          <p:cNvSpPr txBox="1">
+            <a:spLocks noChangeArrowheads="1"/>
+          </p:cNvSpPr>
+          <p:nvPr/>
+        </p:nvSpPr>
+        <p:spPr>
+          <a:xfrm>
+            <a:off x="680321" y="2150772"/>
+            <a:ext cx="8393113" cy="4266321"/>
+          </a:xfrm>
+          <a:prstGeom prst="rect">
+            <a:avLst/>
+          </a:prstGeom>
+          <a:solidFill>
+            <a:schemeClr val="tx1"/>
+          </a:solidFill>
+          <a:ln>
+            <a:solidFill>
+              <a:schemeClr val="bg1">
+                <a:lumMod val="40000"/>
+                <a:lumOff val="60000"/>
+              </a:schemeClr>
+            </a:solidFill>
+          </a:ln>
+        </p:spPr>
+        <p:txBody>
+          <a:bodyPr vert="horz" lIns="91440" tIns="45720" rIns="91440" bIns="45720" rtlCol="0">
+            <a:normAutofit/>
+          </a:bodyPr>
+          <a:lstStyle>
+            <a:lvl1pPr marL="228600" indent="-228600" algn="l" defTabSz="914400" rtl="0" eaLnBrk="1" latinLnBrk="0" hangingPunct="1">
+              <a:lnSpc>
+                <a:spcPct val="90000"/>
+              </a:lnSpc>
+              <a:spcBef>
+                <a:spcPts val="1000"/>
+              </a:spcBef>
+              <a:buFont typeface="Arial" panose="020B0604020202020204" pitchFamily="34" charset="0"/>
+              <a:buChar char="•"/>
+              <a:defRPr sz="2400" kern="1200">
+                <a:solidFill>
+                  <a:schemeClr val="tx1"/>
+                </a:solidFill>
+                <a:latin typeface="+mn-lt"/>
+                <a:ea typeface="+mn-ea"/>
+                <a:cs typeface="+mn-cs"/>
+              </a:defRPr>
+            </a:lvl1pPr>
+            <a:lvl2pPr marL="685800" indent="-228600" algn="l" defTabSz="914400" rtl="0" eaLnBrk="1" latinLnBrk="0" hangingPunct="1">
+              <a:lnSpc>
+                <a:spcPct val="90000"/>
+              </a:lnSpc>
+              <a:spcBef>
+                <a:spcPts val="500"/>
+              </a:spcBef>
+              <a:buFont typeface="Arial" panose="020B0604020202020204" pitchFamily="34" charset="0"/>
+              <a:buChar char="•"/>
+              <a:defRPr sz="2000" kern="1200">
+                <a:solidFill>
+                  <a:schemeClr val="tx1"/>
+                </a:solidFill>
+                <a:latin typeface="+mn-lt"/>
+                <a:ea typeface="+mn-ea"/>
+                <a:cs typeface="+mn-cs"/>
+              </a:defRPr>
+            </a:lvl2pPr>
+            <a:lvl3pPr marL="1143000" indent="-228600" algn="l" defTabSz="914400" rtl="0" eaLnBrk="1" latinLnBrk="0" hangingPunct="1">
+              <a:lnSpc>
+                <a:spcPct val="90000"/>
+              </a:lnSpc>
+              <a:spcBef>
+                <a:spcPts val="500"/>
+              </a:spcBef>
+              <a:buFont typeface="Arial" panose="020B0604020202020204" pitchFamily="34" charset="0"/>
+              <a:buChar char="•"/>
+              <a:defRPr sz="1800" kern="1200">
+                <a:solidFill>
+                  <a:schemeClr val="tx1"/>
+                </a:solidFill>
+                <a:latin typeface="+mn-lt"/>
+                <a:ea typeface="+mn-ea"/>
+                <a:cs typeface="+mn-cs"/>
+              </a:defRPr>
+            </a:lvl3pPr>
+            <a:lvl4pPr marL="1600200" indent="-228600" algn="l" defTabSz="914400" rtl="0" eaLnBrk="1" latinLnBrk="0" hangingPunct="1">
+              <a:lnSpc>
+                <a:spcPct val="90000"/>
+              </a:lnSpc>
+              <a:spcBef>
+                <a:spcPts val="500"/>
+              </a:spcBef>
+              <a:buFont typeface="Arial" panose="020B0604020202020204" pitchFamily="34" charset="0"/>
+              <a:buChar char="•"/>
+              <a:defRPr sz="1600" kern="1200">
+                <a:solidFill>
+                  <a:schemeClr val="tx1"/>
+                </a:solidFill>
+                <a:latin typeface="+mn-lt"/>
+                <a:ea typeface="+mn-ea"/>
+                <a:cs typeface="+mn-cs"/>
+              </a:defRPr>
+            </a:lvl4pPr>
+            <a:lvl5pPr marL="2057400" indent="-228600" algn="l" defTabSz="914400" rtl="0" eaLnBrk="1" latinLnBrk="0" hangingPunct="1">
+              <a:lnSpc>
+                <a:spcPct val="90000"/>
+              </a:lnSpc>
+              <a:spcBef>
+                <a:spcPts val="500"/>
+              </a:spcBef>
+              <a:buFont typeface="Arial" panose="020B0604020202020204" pitchFamily="34" charset="0"/>
+              <a:buChar char="•"/>
+              <a:defRPr sz="1600" kern="1200">
+                <a:solidFill>
+                  <a:schemeClr val="tx1"/>
+                </a:solidFill>
+                <a:latin typeface="+mn-lt"/>
+                <a:ea typeface="+mn-ea"/>
+                <a:cs typeface="+mn-cs"/>
+              </a:defRPr>
+            </a:lvl5pPr>
+            <a:lvl6pPr marL="2514600" indent="-228600" algn="l" defTabSz="914400" rtl="0" eaLnBrk="1" latinLnBrk="0" hangingPunct="1">
+              <a:lnSpc>
+                <a:spcPct val="90000"/>
+              </a:lnSpc>
+              <a:spcBef>
+                <a:spcPts val="500"/>
+              </a:spcBef>
+              <a:buFont typeface="Arial" panose="020B0604020202020204" pitchFamily="34" charset="0"/>
+              <a:buChar char="•"/>
+              <a:defRPr sz="1400" kern="1200">
+                <a:solidFill>
+                  <a:schemeClr val="tx1"/>
+                </a:solidFill>
+                <a:latin typeface="+mn-lt"/>
+                <a:ea typeface="+mn-ea"/>
+                <a:cs typeface="+mn-cs"/>
+              </a:defRPr>
+            </a:lvl6pPr>
+            <a:lvl7pPr marL="2971800" indent="-228600" algn="l" defTabSz="914400" rtl="0" eaLnBrk="1" latinLnBrk="0" hangingPunct="1">
+              <a:lnSpc>
+                <a:spcPct val="90000"/>
+              </a:lnSpc>
+              <a:spcBef>
+                <a:spcPts val="500"/>
+              </a:spcBef>
+              <a:buFont typeface="Arial" panose="020B0604020202020204" pitchFamily="34" charset="0"/>
+              <a:buChar char="•"/>
+              <a:defRPr sz="1400" kern="1200">
+                <a:solidFill>
+                  <a:schemeClr val="tx1"/>
+                </a:solidFill>
+                <a:latin typeface="+mn-lt"/>
+                <a:ea typeface="+mn-ea"/>
+                <a:cs typeface="+mn-cs"/>
+              </a:defRPr>
+            </a:lvl7pPr>
+            <a:lvl8pPr marL="3429000" indent="-228600" algn="l" defTabSz="914400" rtl="0" eaLnBrk="1" latinLnBrk="0" hangingPunct="1">
+              <a:lnSpc>
+                <a:spcPct val="90000"/>
+              </a:lnSpc>
+              <a:spcBef>
+                <a:spcPts val="500"/>
+              </a:spcBef>
+              <a:buFont typeface="Arial" panose="020B0604020202020204" pitchFamily="34" charset="0"/>
+              <a:buChar char="•"/>
+              <a:defRPr sz="1400" kern="1200">
+                <a:solidFill>
+                  <a:schemeClr val="tx1"/>
+                </a:solidFill>
+                <a:latin typeface="+mn-lt"/>
+                <a:ea typeface="+mn-ea"/>
+                <a:cs typeface="+mn-cs"/>
+              </a:defRPr>
+            </a:lvl8pPr>
+            <a:lvl9pPr marL="3886200" indent="-228600" algn="l" defTabSz="914400" rtl="0" eaLnBrk="1" latinLnBrk="0" hangingPunct="1">
+              <a:lnSpc>
+                <a:spcPct val="90000"/>
+              </a:lnSpc>
+              <a:spcBef>
+                <a:spcPts val="500"/>
+              </a:spcBef>
+              <a:buFont typeface="Arial" panose="020B0604020202020204" pitchFamily="34" charset="0"/>
+              <a:buChar char="•"/>
+              <a:defRPr sz="1400" kern="1200">
+                <a:solidFill>
+                  <a:schemeClr val="tx1"/>
+                </a:solidFill>
+                <a:latin typeface="+mn-lt"/>
+                <a:ea typeface="+mn-ea"/>
+                <a:cs typeface="+mn-cs"/>
+              </a:defRPr>
+            </a:lvl9pPr>
+          </a:lstStyle>
+          <a:p>
+            <a:pPr marL="0" indent="0">
               <a:spcBef>
                 <a:spcPts val="0"/>
               </a:spcBef>
@@ -11458,6 +12984,365 @@
   <p:clrMapOvr>
     <a:masterClrMapping/>
   </p:clrMapOvr>
+</p:sld>
+</file>
+
+<file path=ppt/slides/slide9.xml><?xml version="1.0" encoding="utf-8"?>
+<p:sld xmlns:a="http://schemas.openxmlformats.org/drawingml/2006/main" xmlns:r="http://schemas.openxmlformats.org/officeDocument/2006/relationships" xmlns:p="http://schemas.openxmlformats.org/presentationml/2006/main">
+  <p:cSld>
+    <p:spTree>
+      <p:nvGrpSpPr>
+        <p:cNvPr id="1" name=""/>
+        <p:cNvGrpSpPr/>
+        <p:nvPr/>
+      </p:nvGrpSpPr>
+      <p:grpSpPr>
+        <a:xfrm>
+          <a:off x="0" y="0"/>
+          <a:ext cx="0" cy="0"/>
+          <a:chOff x="0" y="0"/>
+          <a:chExt cx="0" cy="0"/>
+        </a:xfrm>
+      </p:grpSpPr>
+      <p:sp>
+        <p:nvSpPr>
+          <p:cNvPr id="2" name="Título 1"/>
+          <p:cNvSpPr>
+            <a:spLocks noGrp="1"/>
+          </p:cNvSpPr>
+          <p:nvPr>
+            <p:ph type="title"/>
+          </p:nvPr>
+        </p:nvSpPr>
+        <p:spPr/>
+        <p:txBody>
+          <a:bodyPr/>
+          <a:lstStyle/>
+          <a:p>
+            <a:r>
+              <a:rPr lang="es-AR" dirty="0" smtClean="0"/>
+              <a:t>Hilos y Controles Visuales</a:t>
+            </a:r>
+            <a:endParaRPr lang="es-AR" dirty="0"/>
+          </a:p>
+        </p:txBody>
+      </p:sp>
+      <p:sp>
+        <p:nvSpPr>
+          <p:cNvPr id="3" name="Marcador de contenido 2"/>
+          <p:cNvSpPr>
+            <a:spLocks noGrp="1"/>
+          </p:cNvSpPr>
+          <p:nvPr>
+            <p:ph idx="1"/>
+          </p:nvPr>
+        </p:nvSpPr>
+        <p:spPr>
+          <a:xfrm>
+            <a:off x="680321" y="2336872"/>
+            <a:ext cx="9613861" cy="4038169"/>
+          </a:xfrm>
+        </p:spPr>
+        <p:txBody>
+          <a:bodyPr>
+            <a:normAutofit/>
+          </a:bodyPr>
+          <a:lstStyle/>
+          <a:p>
+            <a:pPr>
+              <a:defRPr/>
+            </a:pPr>
+            <a:r>
+              <a:rPr lang="es-AR" dirty="0" smtClean="0">
+                <a:effectLst>
+                  <a:outerShdw blurRad="38100" dist="38100" dir="2700000" algn="tl">
+                    <a:srgbClr val="000000">
+                      <a:alpha val="43137"/>
+                    </a:srgbClr>
+                  </a:outerShdw>
+                </a:effectLst>
+                <a:latin typeface="Franklin Gothic Medium" panose="020B0603020102020204" pitchFamily="34" charset="0"/>
+              </a:rPr>
+              <a:t>Dicha invocación puede necesitar parámetros.</a:t>
+            </a:r>
+          </a:p>
+          <a:p>
+            <a:pPr>
+              <a:defRPr/>
+            </a:pPr>
+            <a:endParaRPr lang="es-AR" dirty="0">
+              <a:effectLst>
+                <a:outerShdw blurRad="38100" dist="38100" dir="2700000" algn="tl">
+                  <a:srgbClr val="000000">
+                    <a:alpha val="43137"/>
+                  </a:srgbClr>
+                </a:outerShdw>
+              </a:effectLst>
+              <a:latin typeface="Franklin Gothic Medium" panose="020B0603020102020204" pitchFamily="34" charset="0"/>
+            </a:endParaRPr>
+          </a:p>
+          <a:p>
+            <a:pPr>
+              <a:defRPr/>
+            </a:pPr>
+            <a:r>
+              <a:rPr lang="es-AR" dirty="0" smtClean="0">
+                <a:effectLst>
+                  <a:outerShdw blurRad="38100" dist="38100" dir="2700000" algn="tl">
+                    <a:srgbClr val="000000">
+                      <a:alpha val="43137"/>
+                    </a:srgbClr>
+                  </a:outerShdw>
+                </a:effectLst>
+                <a:latin typeface="Franklin Gothic Medium" panose="020B0603020102020204" pitchFamily="34" charset="0"/>
+              </a:rPr>
+              <a:t>Para resolver este caso, utilizaremos un </a:t>
+            </a:r>
+            <a:r>
+              <a:rPr lang="es-AR" dirty="0" err="1" smtClean="0">
+                <a:effectLst>
+                  <a:outerShdw blurRad="38100" dist="38100" dir="2700000" algn="tl">
+                    <a:srgbClr val="000000">
+                      <a:alpha val="43137"/>
+                    </a:srgbClr>
+                  </a:outerShdw>
+                </a:effectLst>
+                <a:latin typeface="Franklin Gothic Medium" panose="020B0603020102020204" pitchFamily="34" charset="0"/>
+              </a:rPr>
+              <a:t>array</a:t>
+            </a:r>
+            <a:r>
+              <a:rPr lang="es-AR" dirty="0" smtClean="0">
+                <a:effectLst>
+                  <a:outerShdw blurRad="38100" dist="38100" dir="2700000" algn="tl">
+                    <a:srgbClr val="000000">
+                      <a:alpha val="43137"/>
+                    </a:srgbClr>
+                  </a:outerShdw>
+                </a:effectLst>
+                <a:latin typeface="Franklin Gothic Medium" panose="020B0603020102020204" pitchFamily="34" charset="0"/>
+              </a:rPr>
+              <a:t> de </a:t>
+            </a:r>
+            <a:r>
+              <a:rPr lang="es-AR" dirty="0" err="1" smtClean="0">
+                <a:effectLst>
+                  <a:outerShdw blurRad="38100" dist="38100" dir="2700000" algn="tl">
+                    <a:srgbClr val="000000">
+                      <a:alpha val="43137"/>
+                    </a:srgbClr>
+                  </a:outerShdw>
+                </a:effectLst>
+                <a:latin typeface="Franklin Gothic Medium" panose="020B0603020102020204" pitchFamily="34" charset="0"/>
+              </a:rPr>
+              <a:t>Object</a:t>
+            </a:r>
+            <a:r>
+              <a:rPr lang="es-AR" dirty="0" smtClean="0">
+                <a:effectLst>
+                  <a:outerShdw blurRad="38100" dist="38100" dir="2700000" algn="tl">
+                    <a:srgbClr val="000000">
+                      <a:alpha val="43137"/>
+                    </a:srgbClr>
+                  </a:outerShdw>
+                </a:effectLst>
+                <a:latin typeface="Franklin Gothic Medium" panose="020B0603020102020204" pitchFamily="34" charset="0"/>
+              </a:rPr>
+              <a:t>.</a:t>
+            </a:r>
+          </a:p>
+          <a:p>
+            <a:pPr>
+              <a:defRPr/>
+            </a:pPr>
+            <a:endParaRPr lang="es-AR" dirty="0">
+              <a:effectLst>
+                <a:outerShdw blurRad="38100" dist="38100" dir="2700000" algn="tl">
+                  <a:srgbClr val="000000">
+                    <a:alpha val="43137"/>
+                  </a:srgbClr>
+                </a:outerShdw>
+              </a:effectLst>
+              <a:latin typeface="Franklin Gothic Medium" panose="020B0603020102020204" pitchFamily="34" charset="0"/>
+            </a:endParaRPr>
+          </a:p>
+          <a:p>
+            <a:pPr>
+              <a:defRPr/>
+            </a:pPr>
+            <a:r>
+              <a:rPr lang="es-AR" dirty="0" smtClean="0">
+                <a:effectLst>
+                  <a:outerShdw blurRad="38100" dist="38100" dir="2700000" algn="tl">
+                    <a:srgbClr val="000000">
+                      <a:alpha val="43137"/>
+                    </a:srgbClr>
+                  </a:outerShdw>
+                </a:effectLst>
+                <a:latin typeface="Franklin Gothic Medium" panose="020B0603020102020204" pitchFamily="34" charset="0"/>
+              </a:rPr>
+              <a:t>Al realizar el </a:t>
+            </a:r>
+            <a:r>
+              <a:rPr lang="es-AR" dirty="0" err="1" smtClean="0">
+                <a:effectLst>
+                  <a:outerShdw blurRad="38100" dist="38100" dir="2700000" algn="tl">
+                    <a:srgbClr val="000000">
+                      <a:alpha val="43137"/>
+                    </a:srgbClr>
+                  </a:outerShdw>
+                </a:effectLst>
+                <a:latin typeface="Franklin Gothic Medium" panose="020B0603020102020204" pitchFamily="34" charset="0"/>
+              </a:rPr>
+              <a:t>Invoke</a:t>
+            </a:r>
+            <a:r>
+              <a:rPr lang="es-AR" dirty="0" smtClean="0">
+                <a:effectLst>
+                  <a:outerShdw blurRad="38100" dist="38100" dir="2700000" algn="tl">
+                    <a:srgbClr val="000000">
+                      <a:alpha val="43137"/>
+                    </a:srgbClr>
+                  </a:outerShdw>
+                </a:effectLst>
+                <a:latin typeface="Franklin Gothic Medium" panose="020B0603020102020204" pitchFamily="34" charset="0"/>
+              </a:rPr>
+              <a:t> (sincrónico, espera que un </a:t>
+            </a:r>
+            <a:r>
+              <a:rPr lang="es-AR" dirty="0" err="1" smtClean="0">
+                <a:effectLst>
+                  <a:outerShdw blurRad="38100" dist="38100" dir="2700000" algn="tl">
+                    <a:srgbClr val="000000">
+                      <a:alpha val="43137"/>
+                    </a:srgbClr>
+                  </a:outerShdw>
+                </a:effectLst>
+                <a:latin typeface="Franklin Gothic Medium" panose="020B0603020102020204" pitchFamily="34" charset="0"/>
+              </a:rPr>
+              <a:t>Thread</a:t>
+            </a:r>
+            <a:r>
+              <a:rPr lang="es-AR" dirty="0" smtClean="0">
+                <a:effectLst>
+                  <a:outerShdw blurRad="38100" dist="38100" dir="2700000" algn="tl">
+                    <a:srgbClr val="000000">
+                      <a:alpha val="43137"/>
+                    </a:srgbClr>
+                  </a:outerShdw>
+                </a:effectLst>
+                <a:latin typeface="Franklin Gothic Medium" panose="020B0603020102020204" pitchFamily="34" charset="0"/>
+              </a:rPr>
+              <a:t> finalice </a:t>
+            </a:r>
+            <a:r>
+              <a:rPr lang="es-AR" smtClean="0">
+                <a:effectLst>
+                  <a:outerShdw blurRad="38100" dist="38100" dir="2700000" algn="tl">
+                    <a:srgbClr val="000000">
+                      <a:alpha val="43137"/>
+                    </a:srgbClr>
+                  </a:outerShdw>
+                </a:effectLst>
+                <a:latin typeface="Franklin Gothic Medium" panose="020B0603020102020204" pitchFamily="34" charset="0"/>
+              </a:rPr>
+              <a:t>para ejecutar otro) </a:t>
+            </a:r>
+            <a:r>
+              <a:rPr lang="es-AR" dirty="0" smtClean="0">
+                <a:effectLst>
+                  <a:outerShdw blurRad="38100" dist="38100" dir="2700000" algn="tl">
+                    <a:srgbClr val="000000">
+                      <a:alpha val="43137"/>
+                    </a:srgbClr>
+                  </a:outerShdw>
+                </a:effectLst>
+                <a:latin typeface="Franklin Gothic Medium" panose="020B0603020102020204" pitchFamily="34" charset="0"/>
+              </a:rPr>
+              <a:t>o </a:t>
+            </a:r>
+            <a:r>
+              <a:rPr lang="es-AR" dirty="0" err="1" smtClean="0">
+                <a:effectLst>
+                  <a:outerShdw blurRad="38100" dist="38100" dir="2700000" algn="tl">
+                    <a:srgbClr val="000000">
+                      <a:alpha val="43137"/>
+                    </a:srgbClr>
+                  </a:outerShdw>
+                </a:effectLst>
+                <a:latin typeface="Franklin Gothic Medium" panose="020B0603020102020204" pitchFamily="34" charset="0"/>
+              </a:rPr>
+              <a:t>BeginInvoke</a:t>
+            </a:r>
+            <a:r>
+              <a:rPr lang="es-AR" dirty="0" smtClean="0">
+                <a:effectLst>
+                  <a:outerShdw blurRad="38100" dist="38100" dir="2700000" algn="tl">
+                    <a:srgbClr val="000000">
+                      <a:alpha val="43137"/>
+                    </a:srgbClr>
+                  </a:outerShdw>
+                </a:effectLst>
+                <a:latin typeface="Franklin Gothic Medium" panose="020B0603020102020204" pitchFamily="34" charset="0"/>
+              </a:rPr>
+              <a:t> (asincrónico) se pasará el delegado y dicho </a:t>
+            </a:r>
+            <a:r>
+              <a:rPr lang="es-AR" dirty="0" err="1" smtClean="0">
+                <a:effectLst>
+                  <a:outerShdw blurRad="38100" dist="38100" dir="2700000" algn="tl">
+                    <a:srgbClr val="000000">
+                      <a:alpha val="43137"/>
+                    </a:srgbClr>
+                  </a:outerShdw>
+                </a:effectLst>
+                <a:latin typeface="Franklin Gothic Medium" panose="020B0603020102020204" pitchFamily="34" charset="0"/>
+              </a:rPr>
+              <a:t>array</a:t>
+            </a:r>
+            <a:r>
+              <a:rPr lang="es-AR" dirty="0" smtClean="0">
+                <a:effectLst>
+                  <a:outerShdw blurRad="38100" dist="38100" dir="2700000" algn="tl">
+                    <a:srgbClr val="000000">
+                      <a:alpha val="43137"/>
+                    </a:srgbClr>
+                  </a:outerShdw>
+                </a:effectLst>
+                <a:latin typeface="Franklin Gothic Medium" panose="020B0603020102020204" pitchFamily="34" charset="0"/>
+              </a:rPr>
+              <a:t>.</a:t>
+            </a:r>
+            <a:endParaRPr lang="es-AR" dirty="0">
+              <a:effectLst>
+                <a:outerShdw blurRad="38100" dist="38100" dir="2700000" algn="tl">
+                  <a:srgbClr val="000000">
+                    <a:alpha val="43137"/>
+                  </a:srgbClr>
+                </a:outerShdw>
+              </a:effectLst>
+              <a:latin typeface="Franklin Gothic Medium" panose="020B0603020102020204" pitchFamily="34" charset="0"/>
+            </a:endParaRPr>
+          </a:p>
+        </p:txBody>
+      </p:sp>
+    </p:spTree>
+    <p:extLst>
+      <p:ext uri="{BB962C8B-B14F-4D97-AF65-F5344CB8AC3E}">
+        <p14:creationId xmlns:p14="http://schemas.microsoft.com/office/powerpoint/2010/main" val="2029261755"/>
+      </p:ext>
+    </p:extLst>
+  </p:cSld>
+  <p:clrMapOvr>
+    <a:masterClrMapping/>
+  </p:clrMapOvr>
+  <p:timing>
+    <p:tnLst>
+      <p:par>
+        <p:cTn id="1" dur="indefinite" restart="never" nodeType="tmRoot"/>
+      </p:par>
+    </p:tnLst>
+  </p:timing>
 </p:sld>
 </file>
 
